--- a/시스템 프로그래밍/Proxy 1-3/순서도.pptx
+++ b/시스템 프로그래밍/Proxy 1-3/순서도.pptx
@@ -7,6 +7,7 @@
   <p:sldIdLst>
     <p:sldId id="256" r:id="rId2"/>
     <p:sldId id="257" r:id="rId3"/>
+    <p:sldId id="258" r:id="rId4"/>
   </p:sldIdLst>
   <p:sldSz cx="6858000" cy="12192000"/>
   <p:notesSz cx="6858000" cy="9144000"/>
@@ -105,6 +106,11 @@
       </a:defRPr>
     </a:lvl9pPr>
   </p:defaultTextStyle>
+  <p:extLst>
+    <p:ext uri="{EFAFB233-063F-42B5-8137-9DF3F51BA10A}">
+      <p15:sldGuideLst xmlns:p15="http://schemas.microsoft.com/office/powerpoint/2012/main"/>
+    </p:ext>
+  </p:extLst>
 </p:presentation>
 </file>
 
@@ -239,7 +245,7 @@
           <a:p>
             <a:fld id="{07586447-AB40-4E57-8CBB-65AE4FB1DA00}" type="datetimeFigureOut">
               <a:rPr lang="ko-KR" altLang="en-US" smtClean="0"/>
-              <a:t>2022-04-01</a:t>
+              <a:t>2022-04-06</a:t>
             </a:fld>
             <a:endParaRPr lang="ko-KR" altLang="en-US"/>
           </a:p>
@@ -409,7 +415,7 @@
           <a:p>
             <a:fld id="{07586447-AB40-4E57-8CBB-65AE4FB1DA00}" type="datetimeFigureOut">
               <a:rPr lang="ko-KR" altLang="en-US" smtClean="0"/>
-              <a:t>2022-04-01</a:t>
+              <a:t>2022-04-06</a:t>
             </a:fld>
             <a:endParaRPr lang="ko-KR" altLang="en-US"/>
           </a:p>
@@ -589,7 +595,7 @@
           <a:p>
             <a:fld id="{07586447-AB40-4E57-8CBB-65AE4FB1DA00}" type="datetimeFigureOut">
               <a:rPr lang="ko-KR" altLang="en-US" smtClean="0"/>
-              <a:t>2022-04-01</a:t>
+              <a:t>2022-04-06</a:t>
             </a:fld>
             <a:endParaRPr lang="ko-KR" altLang="en-US"/>
           </a:p>
@@ -759,7 +765,7 @@
           <a:p>
             <a:fld id="{07586447-AB40-4E57-8CBB-65AE4FB1DA00}" type="datetimeFigureOut">
               <a:rPr lang="ko-KR" altLang="en-US" smtClean="0"/>
-              <a:t>2022-04-01</a:t>
+              <a:t>2022-04-06</a:t>
             </a:fld>
             <a:endParaRPr lang="ko-KR" altLang="en-US"/>
           </a:p>
@@ -1003,7 +1009,7 @@
           <a:p>
             <a:fld id="{07586447-AB40-4E57-8CBB-65AE4FB1DA00}" type="datetimeFigureOut">
               <a:rPr lang="ko-KR" altLang="en-US" smtClean="0"/>
-              <a:t>2022-04-01</a:t>
+              <a:t>2022-04-06</a:t>
             </a:fld>
             <a:endParaRPr lang="ko-KR" altLang="en-US"/>
           </a:p>
@@ -1235,7 +1241,7 @@
           <a:p>
             <a:fld id="{07586447-AB40-4E57-8CBB-65AE4FB1DA00}" type="datetimeFigureOut">
               <a:rPr lang="ko-KR" altLang="en-US" smtClean="0"/>
-              <a:t>2022-04-01</a:t>
+              <a:t>2022-04-06</a:t>
             </a:fld>
             <a:endParaRPr lang="ko-KR" altLang="en-US"/>
           </a:p>
@@ -1602,7 +1608,7 @@
           <a:p>
             <a:fld id="{07586447-AB40-4E57-8CBB-65AE4FB1DA00}" type="datetimeFigureOut">
               <a:rPr lang="ko-KR" altLang="en-US" smtClean="0"/>
-              <a:t>2022-04-01</a:t>
+              <a:t>2022-04-06</a:t>
             </a:fld>
             <a:endParaRPr lang="ko-KR" altLang="en-US"/>
           </a:p>
@@ -1720,7 +1726,7 @@
           <a:p>
             <a:fld id="{07586447-AB40-4E57-8CBB-65AE4FB1DA00}" type="datetimeFigureOut">
               <a:rPr lang="ko-KR" altLang="en-US" smtClean="0"/>
-              <a:t>2022-04-01</a:t>
+              <a:t>2022-04-06</a:t>
             </a:fld>
             <a:endParaRPr lang="ko-KR" altLang="en-US"/>
           </a:p>
@@ -1815,7 +1821,7 @@
           <a:p>
             <a:fld id="{07586447-AB40-4E57-8CBB-65AE4FB1DA00}" type="datetimeFigureOut">
               <a:rPr lang="ko-KR" altLang="en-US" smtClean="0"/>
-              <a:t>2022-04-01</a:t>
+              <a:t>2022-04-06</a:t>
             </a:fld>
             <a:endParaRPr lang="ko-KR" altLang="en-US"/>
           </a:p>
@@ -2092,7 +2098,7 @@
           <a:p>
             <a:fld id="{07586447-AB40-4E57-8CBB-65AE4FB1DA00}" type="datetimeFigureOut">
               <a:rPr lang="ko-KR" altLang="en-US" smtClean="0"/>
-              <a:t>2022-04-01</a:t>
+              <a:t>2022-04-06</a:t>
             </a:fld>
             <a:endParaRPr lang="ko-KR" altLang="en-US"/>
           </a:p>
@@ -2349,7 +2355,7 @@
           <a:p>
             <a:fld id="{07586447-AB40-4E57-8CBB-65AE4FB1DA00}" type="datetimeFigureOut">
               <a:rPr lang="ko-KR" altLang="en-US" smtClean="0"/>
-              <a:t>2022-04-01</a:t>
+              <a:t>2022-04-06</a:t>
             </a:fld>
             <a:endParaRPr lang="ko-KR" altLang="en-US"/>
           </a:p>
@@ -2562,7 +2568,7 @@
           <a:p>
             <a:fld id="{07586447-AB40-4E57-8CBB-65AE4FB1DA00}" type="datetimeFigureOut">
               <a:rPr lang="ko-KR" altLang="en-US" smtClean="0"/>
-              <a:t>2022-04-01</a:t>
+              <a:t>2022-04-06</a:t>
             </a:fld>
             <a:endParaRPr lang="ko-KR" altLang="en-US"/>
           </a:p>
@@ -3721,10 +3727,10 @@
       </p:sp>
       <p:sp>
         <p:nvSpPr>
-          <p:cNvPr id="5" name="순서도: 처리 4">
-            <a:extLst>
-              <a:ext uri="{FF2B5EF4-FFF2-40B4-BE49-F238E27FC236}">
-                <a16:creationId xmlns:a16="http://schemas.microsoft.com/office/drawing/2014/main" id="{293F7331-62E5-4044-A660-EC8CEE20D5E6}"/>
+          <p:cNvPr id="7" name="순서도: 처리 6">
+            <a:extLst>
+              <a:ext uri="{FF2B5EF4-FFF2-40B4-BE49-F238E27FC236}">
+                <a16:creationId xmlns:a16="http://schemas.microsoft.com/office/drawing/2014/main" id="{6510D915-B409-4F02-B57E-60B4354C53E8}"/>
               </a:ext>
             </a:extLst>
           </p:cNvPr>
@@ -3733,7 +3739,7 @@
         </p:nvSpPr>
         <p:spPr>
           <a:xfrm>
-            <a:off x="2330760" y="3379026"/>
+            <a:off x="3143560" y="4476301"/>
             <a:ext cx="1251585" cy="177165"/>
           </a:xfrm>
           <a:prstGeom prst="flowChartProcess">
@@ -3770,6 +3776,2124 @@
           <a:p>
             <a:pPr algn="ctr"/>
             <a:r>
+              <a:rPr lang="en-US" altLang="ko-KR" sz="600" dirty="0">
+                <a:solidFill>
+                  <a:sysClr val="windowText" lastClr="000000"/>
+                </a:solidFill>
+              </a:rPr>
+              <a:t>Home Dir Path </a:t>
+            </a:r>
+            <a:r>
+              <a:rPr lang="ko-KR" altLang="en-US" sz="600" dirty="0">
+                <a:solidFill>
+                  <a:sysClr val="windowText" lastClr="000000"/>
+                </a:solidFill>
+              </a:rPr>
+              <a:t>추출</a:t>
+            </a:r>
+          </a:p>
+        </p:txBody>
+      </p:sp>
+      <p:sp>
+        <p:nvSpPr>
+          <p:cNvPr id="8" name="순서도: 처리 7">
+            <a:extLst>
+              <a:ext uri="{FF2B5EF4-FFF2-40B4-BE49-F238E27FC236}">
+                <a16:creationId xmlns:a16="http://schemas.microsoft.com/office/drawing/2014/main" id="{C3D0A2E5-C97E-4A5B-83A7-A1C4962582A1}"/>
+              </a:ext>
+            </a:extLst>
+          </p:cNvPr>
+          <p:cNvSpPr/>
+          <p:nvPr/>
+        </p:nvSpPr>
+        <p:spPr>
+          <a:xfrm>
+            <a:off x="3143568" y="4863089"/>
+            <a:ext cx="1251585" cy="177165"/>
+          </a:xfrm>
+          <a:prstGeom prst="flowChartProcess">
+            <a:avLst/>
+          </a:prstGeom>
+          <a:solidFill>
+            <a:schemeClr val="bg1"/>
+          </a:solidFill>
+        </p:spPr>
+        <p:style>
+          <a:lnRef idx="2">
+            <a:schemeClr val="accent1">
+              <a:shade val="50000"/>
+            </a:schemeClr>
+          </a:lnRef>
+          <a:fillRef idx="1">
+            <a:schemeClr val="accent1"/>
+          </a:fillRef>
+          <a:effectRef idx="0">
+            <a:schemeClr val="accent1"/>
+          </a:effectRef>
+          <a:fontRef idx="minor">
+            <a:schemeClr val="lt1"/>
+          </a:fontRef>
+        </p:style>
+        <p:txBody>
+          <a:bodyPr rot="0" spcFirstLastPara="0" vertOverflow="overflow" horzOverflow="overflow" vert="horz" wrap="square" lIns="51435" tIns="25718" rIns="51435" bIns="25718" numCol="1" spcCol="0" rtlCol="0" fromWordArt="0" anchor="ctr" anchorCtr="0" forceAA="0" compatLnSpc="1">
+            <a:prstTxWarp prst="textNoShape">
+              <a:avLst/>
+            </a:prstTxWarp>
+            <a:noAutofit/>
+          </a:bodyPr>
+          <a:lstStyle/>
+          <a:p>
+            <a:pPr algn="ctr"/>
+            <a:r>
+              <a:rPr lang="en-US" altLang="ko-KR" sz="600" dirty="0">
+                <a:solidFill>
+                  <a:sysClr val="windowText" lastClr="000000"/>
+                </a:solidFill>
+              </a:rPr>
+              <a:t>Home</a:t>
+            </a:r>
+            <a:r>
+              <a:rPr lang="ko-KR" altLang="en-US" sz="600" dirty="0">
+                <a:solidFill>
+                  <a:sysClr val="windowText" lastClr="000000"/>
+                </a:solidFill>
+              </a:rPr>
+              <a:t> </a:t>
+            </a:r>
+            <a:r>
+              <a:rPr lang="en-US" altLang="ko-KR" sz="600" dirty="0">
+                <a:solidFill>
+                  <a:sysClr val="windowText" lastClr="000000"/>
+                </a:solidFill>
+              </a:rPr>
+              <a:t>Dir</a:t>
+            </a:r>
+            <a:r>
+              <a:rPr lang="ko-KR" altLang="en-US" sz="600" dirty="0">
+                <a:solidFill>
+                  <a:sysClr val="windowText" lastClr="000000"/>
+                </a:solidFill>
+              </a:rPr>
+              <a:t> 오픈</a:t>
+            </a:r>
+          </a:p>
+        </p:txBody>
+      </p:sp>
+      <p:sp>
+        <p:nvSpPr>
+          <p:cNvPr id="9" name="순서도: 처리 8">
+            <a:extLst>
+              <a:ext uri="{FF2B5EF4-FFF2-40B4-BE49-F238E27FC236}">
+                <a16:creationId xmlns:a16="http://schemas.microsoft.com/office/drawing/2014/main" id="{B8B96D02-3B51-409E-9346-D7D7F767FD3D}"/>
+              </a:ext>
+            </a:extLst>
+          </p:cNvPr>
+          <p:cNvSpPr/>
+          <p:nvPr/>
+        </p:nvSpPr>
+        <p:spPr>
+          <a:xfrm>
+            <a:off x="4843886" y="5310893"/>
+            <a:ext cx="1251585" cy="177165"/>
+          </a:xfrm>
+          <a:prstGeom prst="flowChartProcess">
+            <a:avLst/>
+          </a:prstGeom>
+          <a:solidFill>
+            <a:schemeClr val="bg1"/>
+          </a:solidFill>
+        </p:spPr>
+        <p:style>
+          <a:lnRef idx="2">
+            <a:schemeClr val="accent1">
+              <a:shade val="50000"/>
+            </a:schemeClr>
+          </a:lnRef>
+          <a:fillRef idx="1">
+            <a:schemeClr val="accent1"/>
+          </a:fillRef>
+          <a:effectRef idx="0">
+            <a:schemeClr val="accent1"/>
+          </a:effectRef>
+          <a:fontRef idx="minor">
+            <a:schemeClr val="lt1"/>
+          </a:fontRef>
+        </p:style>
+        <p:txBody>
+          <a:bodyPr rot="0" spcFirstLastPara="0" vertOverflow="overflow" horzOverflow="overflow" vert="horz" wrap="square" lIns="51435" tIns="25718" rIns="51435" bIns="25718" numCol="1" spcCol="0" rtlCol="0" fromWordArt="0" anchor="ctr" anchorCtr="0" forceAA="0" compatLnSpc="1">
+            <a:prstTxWarp prst="textNoShape">
+              <a:avLst/>
+            </a:prstTxWarp>
+            <a:noAutofit/>
+          </a:bodyPr>
+          <a:lstStyle/>
+          <a:p>
+            <a:pPr algn="ctr"/>
+            <a:r>
+              <a:rPr lang="ko-KR" altLang="en-US" sz="600" dirty="0">
+                <a:solidFill>
+                  <a:sysClr val="windowText" lastClr="000000"/>
+                </a:solidFill>
+              </a:rPr>
+              <a:t>디렉토리 생성</a:t>
+            </a:r>
+          </a:p>
+        </p:txBody>
+      </p:sp>
+      <p:sp>
+        <p:nvSpPr>
+          <p:cNvPr id="10" name="순서도: 판단 9">
+            <a:extLst>
+              <a:ext uri="{FF2B5EF4-FFF2-40B4-BE49-F238E27FC236}">
+                <a16:creationId xmlns:a16="http://schemas.microsoft.com/office/drawing/2014/main" id="{0F3FC3B5-DB1F-4772-8ABA-41271DD74F04}"/>
+              </a:ext>
+            </a:extLst>
+          </p:cNvPr>
+          <p:cNvSpPr/>
+          <p:nvPr/>
+        </p:nvSpPr>
+        <p:spPr>
+          <a:xfrm>
+            <a:off x="3143560" y="5304573"/>
+            <a:ext cx="1251585" cy="228600"/>
+          </a:xfrm>
+          <a:prstGeom prst="flowChartDecision">
+            <a:avLst/>
+          </a:prstGeom>
+          <a:solidFill>
+            <a:schemeClr val="bg1"/>
+          </a:solidFill>
+        </p:spPr>
+        <p:style>
+          <a:lnRef idx="2">
+            <a:schemeClr val="accent1">
+              <a:shade val="50000"/>
+            </a:schemeClr>
+          </a:lnRef>
+          <a:fillRef idx="1">
+            <a:schemeClr val="accent1"/>
+          </a:fillRef>
+          <a:effectRef idx="0">
+            <a:schemeClr val="accent1"/>
+          </a:effectRef>
+          <a:fontRef idx="minor">
+            <a:schemeClr val="lt1"/>
+          </a:fontRef>
+        </p:style>
+        <p:txBody>
+          <a:bodyPr rot="0" spcFirstLastPara="0" vertOverflow="overflow" horzOverflow="overflow" vert="horz" wrap="square" lIns="51435" tIns="25718" rIns="51435" bIns="25718" numCol="1" spcCol="0" rtlCol="0" fromWordArt="0" anchor="ctr" anchorCtr="0" forceAA="0" compatLnSpc="1">
+            <a:prstTxWarp prst="textNoShape">
+              <a:avLst/>
+            </a:prstTxWarp>
+            <a:noAutofit/>
+          </a:bodyPr>
+          <a:lstStyle/>
+          <a:p>
+            <a:pPr algn="ctr"/>
+            <a:r>
+              <a:rPr lang="en-US" altLang="ko-KR" sz="600" dirty="0">
+                <a:solidFill>
+                  <a:sysClr val="windowText" lastClr="000000"/>
+                </a:solidFill>
+              </a:rPr>
+              <a:t>Cache</a:t>
+            </a:r>
+            <a:r>
+              <a:rPr lang="ko-KR" altLang="en-US" sz="600" dirty="0">
+                <a:solidFill>
+                  <a:sysClr val="windowText" lastClr="000000"/>
+                </a:solidFill>
+              </a:rPr>
+              <a:t>디렉토리</a:t>
+            </a:r>
+            <a:r>
+              <a:rPr lang="en-US" altLang="ko-KR" sz="600" dirty="0">
+                <a:solidFill>
+                  <a:sysClr val="windowText" lastClr="000000"/>
+                </a:solidFill>
+              </a:rPr>
+              <a:t>,, logfile </a:t>
+            </a:r>
+            <a:r>
+              <a:rPr lang="ko-KR" altLang="en-US" sz="600" dirty="0">
+                <a:solidFill>
+                  <a:sysClr val="windowText" lastClr="000000"/>
+                </a:solidFill>
+              </a:rPr>
+              <a:t>디렉토리</a:t>
+            </a:r>
+          </a:p>
+          <a:p>
+            <a:pPr algn="ctr"/>
+            <a:r>
+              <a:rPr lang="ko-KR" altLang="en-US" sz="600" dirty="0">
+                <a:solidFill>
+                  <a:sysClr val="windowText" lastClr="000000"/>
+                </a:solidFill>
+              </a:rPr>
+              <a:t>있는지 검사</a:t>
+            </a:r>
+          </a:p>
+        </p:txBody>
+      </p:sp>
+      <p:sp>
+        <p:nvSpPr>
+          <p:cNvPr id="12" name="순서도: 판단 11">
+            <a:extLst>
+              <a:ext uri="{FF2B5EF4-FFF2-40B4-BE49-F238E27FC236}">
+                <a16:creationId xmlns:a16="http://schemas.microsoft.com/office/drawing/2014/main" id="{8874C277-8409-444A-AAC7-2302ACA31055}"/>
+              </a:ext>
+            </a:extLst>
+          </p:cNvPr>
+          <p:cNvSpPr/>
+          <p:nvPr/>
+        </p:nvSpPr>
+        <p:spPr>
+          <a:xfrm>
+            <a:off x="3143560" y="5864419"/>
+            <a:ext cx="1251585" cy="228600"/>
+          </a:xfrm>
+          <a:prstGeom prst="flowChartDecision">
+            <a:avLst/>
+          </a:prstGeom>
+          <a:solidFill>
+            <a:schemeClr val="bg1"/>
+          </a:solidFill>
+        </p:spPr>
+        <p:style>
+          <a:lnRef idx="2">
+            <a:schemeClr val="accent1">
+              <a:shade val="50000"/>
+            </a:schemeClr>
+          </a:lnRef>
+          <a:fillRef idx="1">
+            <a:schemeClr val="accent1"/>
+          </a:fillRef>
+          <a:effectRef idx="0">
+            <a:schemeClr val="accent1"/>
+          </a:effectRef>
+          <a:fontRef idx="minor">
+            <a:schemeClr val="lt1"/>
+          </a:fontRef>
+        </p:style>
+        <p:txBody>
+          <a:bodyPr rot="0" spcFirstLastPara="0" vertOverflow="overflow" horzOverflow="overflow" vert="horz" wrap="square" lIns="51435" tIns="25718" rIns="51435" bIns="25718" numCol="1" spcCol="0" rtlCol="0" fromWordArt="0" anchor="ctr" anchorCtr="0" forceAA="0" compatLnSpc="1">
+            <a:prstTxWarp prst="textNoShape">
+              <a:avLst/>
+            </a:prstTxWarp>
+            <a:noAutofit/>
+          </a:bodyPr>
+          <a:lstStyle/>
+          <a:p>
+            <a:pPr algn="ctr"/>
+            <a:r>
+              <a:rPr lang="en-US" altLang="ko-KR" sz="600" dirty="0">
+                <a:solidFill>
+                  <a:sysClr val="windowText" lastClr="000000"/>
+                </a:solidFill>
+              </a:rPr>
+              <a:t>Logfile.txt</a:t>
+            </a:r>
+            <a:r>
+              <a:rPr lang="ko-KR" altLang="en-US" sz="600" dirty="0">
+                <a:solidFill>
+                  <a:sysClr val="windowText" lastClr="000000"/>
+                </a:solidFill>
+              </a:rPr>
+              <a:t> 파일 열려 있는지 검사</a:t>
+            </a:r>
+          </a:p>
+        </p:txBody>
+      </p:sp>
+      <p:sp>
+        <p:nvSpPr>
+          <p:cNvPr id="13" name="순서도: 처리 12">
+            <a:extLst>
+              <a:ext uri="{FF2B5EF4-FFF2-40B4-BE49-F238E27FC236}">
+                <a16:creationId xmlns:a16="http://schemas.microsoft.com/office/drawing/2014/main" id="{343B6B0A-3CDE-4C2C-ABBE-F58E9D391463}"/>
+              </a:ext>
+            </a:extLst>
+          </p:cNvPr>
+          <p:cNvSpPr/>
+          <p:nvPr/>
+        </p:nvSpPr>
+        <p:spPr>
+          <a:xfrm>
+            <a:off x="1269895" y="5890136"/>
+            <a:ext cx="1251585" cy="177165"/>
+          </a:xfrm>
+          <a:prstGeom prst="flowChartProcess">
+            <a:avLst/>
+          </a:prstGeom>
+          <a:solidFill>
+            <a:schemeClr val="bg1"/>
+          </a:solidFill>
+        </p:spPr>
+        <p:style>
+          <a:lnRef idx="2">
+            <a:schemeClr val="accent1">
+              <a:shade val="50000"/>
+            </a:schemeClr>
+          </a:lnRef>
+          <a:fillRef idx="1">
+            <a:schemeClr val="accent1"/>
+          </a:fillRef>
+          <a:effectRef idx="0">
+            <a:schemeClr val="accent1"/>
+          </a:effectRef>
+          <a:fontRef idx="minor">
+            <a:schemeClr val="lt1"/>
+          </a:fontRef>
+        </p:style>
+        <p:txBody>
+          <a:bodyPr rot="0" spcFirstLastPara="0" vertOverflow="overflow" horzOverflow="overflow" vert="horz" wrap="square" lIns="51435" tIns="25718" rIns="51435" bIns="25718" numCol="1" spcCol="0" rtlCol="0" fromWordArt="0" anchor="ctr" anchorCtr="0" forceAA="0" compatLnSpc="1">
+            <a:prstTxWarp prst="textNoShape">
+              <a:avLst/>
+            </a:prstTxWarp>
+            <a:noAutofit/>
+          </a:bodyPr>
+          <a:lstStyle/>
+          <a:p>
+            <a:pPr algn="ctr"/>
+            <a:r>
+              <a:rPr lang="en-US" altLang="ko-KR" sz="600" dirty="0">
+                <a:solidFill>
+                  <a:sysClr val="windowText" lastClr="000000"/>
+                </a:solidFill>
+              </a:rPr>
+              <a:t>Logfile.txt </a:t>
+            </a:r>
+            <a:r>
+              <a:rPr lang="ko-KR" altLang="en-US" sz="600" dirty="0">
+                <a:solidFill>
+                  <a:sysClr val="windowText" lastClr="000000"/>
+                </a:solidFill>
+              </a:rPr>
+              <a:t>파일 오픈</a:t>
+            </a:r>
+          </a:p>
+        </p:txBody>
+      </p:sp>
+      <p:sp>
+        <p:nvSpPr>
+          <p:cNvPr id="14" name="순서도: 처리 13">
+            <a:extLst>
+              <a:ext uri="{FF2B5EF4-FFF2-40B4-BE49-F238E27FC236}">
+                <a16:creationId xmlns:a16="http://schemas.microsoft.com/office/drawing/2014/main" id="{600384DD-054C-422D-8FC8-CB1A4F078728}"/>
+              </a:ext>
+            </a:extLst>
+          </p:cNvPr>
+          <p:cNvSpPr/>
+          <p:nvPr/>
+        </p:nvSpPr>
+        <p:spPr>
+          <a:xfrm>
+            <a:off x="3143560" y="4046699"/>
+            <a:ext cx="1251585" cy="177165"/>
+          </a:xfrm>
+          <a:prstGeom prst="flowChartProcess">
+            <a:avLst/>
+          </a:prstGeom>
+          <a:solidFill>
+            <a:schemeClr val="bg1"/>
+          </a:solidFill>
+        </p:spPr>
+        <p:style>
+          <a:lnRef idx="2">
+            <a:schemeClr val="accent1">
+              <a:shade val="50000"/>
+            </a:schemeClr>
+          </a:lnRef>
+          <a:fillRef idx="1">
+            <a:schemeClr val="accent1"/>
+          </a:fillRef>
+          <a:effectRef idx="0">
+            <a:schemeClr val="accent1"/>
+          </a:effectRef>
+          <a:fontRef idx="minor">
+            <a:schemeClr val="lt1"/>
+          </a:fontRef>
+        </p:style>
+        <p:txBody>
+          <a:bodyPr rot="0" spcFirstLastPara="0" vertOverflow="overflow" horzOverflow="overflow" vert="horz" wrap="square" lIns="51435" tIns="25718" rIns="51435" bIns="25718" numCol="1" spcCol="0" rtlCol="0" fromWordArt="0" anchor="ctr" anchorCtr="0" forceAA="0" compatLnSpc="1">
+            <a:prstTxWarp prst="textNoShape">
+              <a:avLst/>
+            </a:prstTxWarp>
+            <a:noAutofit/>
+          </a:bodyPr>
+          <a:lstStyle/>
+          <a:p>
+            <a:pPr algn="ctr"/>
+            <a:r>
+              <a:rPr lang="en-US" altLang="ko-KR" sz="600" dirty="0">
+                <a:solidFill>
+                  <a:sysClr val="windowText" lastClr="000000"/>
+                </a:solidFill>
+              </a:rPr>
+              <a:t>URL</a:t>
+            </a:r>
+            <a:r>
+              <a:rPr lang="ko-KR" altLang="en-US" sz="600" dirty="0">
+                <a:solidFill>
+                  <a:sysClr val="windowText" lastClr="000000"/>
+                </a:solidFill>
+              </a:rPr>
+              <a:t> 입력</a:t>
+            </a:r>
+          </a:p>
+        </p:txBody>
+      </p:sp>
+      <p:sp>
+        <p:nvSpPr>
+          <p:cNvPr id="17" name="순서도: 판단 16">
+            <a:extLst>
+              <a:ext uri="{FF2B5EF4-FFF2-40B4-BE49-F238E27FC236}">
+                <a16:creationId xmlns:a16="http://schemas.microsoft.com/office/drawing/2014/main" id="{A46515EB-3A2E-4615-A536-4BBB49F96640}"/>
+              </a:ext>
+            </a:extLst>
+          </p:cNvPr>
+          <p:cNvSpPr/>
+          <p:nvPr/>
+        </p:nvSpPr>
+        <p:spPr>
+          <a:xfrm>
+            <a:off x="3143562" y="6384605"/>
+            <a:ext cx="1251585" cy="228600"/>
+          </a:xfrm>
+          <a:prstGeom prst="flowChartDecision">
+            <a:avLst/>
+          </a:prstGeom>
+          <a:solidFill>
+            <a:schemeClr val="bg1"/>
+          </a:solidFill>
+        </p:spPr>
+        <p:style>
+          <a:lnRef idx="2">
+            <a:schemeClr val="accent1">
+              <a:shade val="50000"/>
+            </a:schemeClr>
+          </a:lnRef>
+          <a:fillRef idx="1">
+            <a:schemeClr val="accent1"/>
+          </a:fillRef>
+          <a:effectRef idx="0">
+            <a:schemeClr val="accent1"/>
+          </a:effectRef>
+          <a:fontRef idx="minor">
+            <a:schemeClr val="lt1"/>
+          </a:fontRef>
+        </p:style>
+        <p:txBody>
+          <a:bodyPr rot="0" spcFirstLastPara="0" vertOverflow="overflow" horzOverflow="overflow" vert="horz" wrap="square" lIns="51435" tIns="25718" rIns="51435" bIns="25718" numCol="1" spcCol="0" rtlCol="0" fromWordArt="0" anchor="ctr" anchorCtr="0" forceAA="0" compatLnSpc="1">
+            <a:prstTxWarp prst="textNoShape">
+              <a:avLst/>
+            </a:prstTxWarp>
+            <a:noAutofit/>
+          </a:bodyPr>
+          <a:lstStyle/>
+          <a:p>
+            <a:pPr algn="ctr"/>
+            <a:r>
+              <a:rPr lang="en-US" altLang="ko-KR" sz="600" dirty="0">
+                <a:solidFill>
+                  <a:sysClr val="windowText" lastClr="000000"/>
+                </a:solidFill>
+              </a:rPr>
+              <a:t>URL</a:t>
+            </a:r>
+            <a:r>
+              <a:rPr lang="ko-KR" altLang="en-US" sz="600" dirty="0">
+                <a:solidFill>
+                  <a:sysClr val="windowText" lastClr="000000"/>
+                </a:solidFill>
+              </a:rPr>
+              <a:t>이 </a:t>
+            </a:r>
+            <a:r>
+              <a:rPr lang="en-US" altLang="ko-KR" sz="600" dirty="0">
+                <a:solidFill>
+                  <a:sysClr val="windowText" lastClr="000000"/>
+                </a:solidFill>
+              </a:rPr>
+              <a:t>“bye”</a:t>
+            </a:r>
+            <a:r>
+              <a:rPr lang="ko-KR" altLang="en-US" sz="600" dirty="0">
+                <a:solidFill>
+                  <a:sysClr val="windowText" lastClr="000000"/>
+                </a:solidFill>
+              </a:rPr>
+              <a:t>인지 확인</a:t>
+            </a:r>
+          </a:p>
+        </p:txBody>
+      </p:sp>
+      <p:sp>
+        <p:nvSpPr>
+          <p:cNvPr id="15" name="순서도: 처리 14">
+            <a:extLst>
+              <a:ext uri="{FF2B5EF4-FFF2-40B4-BE49-F238E27FC236}">
+                <a16:creationId xmlns:a16="http://schemas.microsoft.com/office/drawing/2014/main" id="{4E56E166-D7CD-4D70-96CC-2803EACF4DF0}"/>
+              </a:ext>
+            </a:extLst>
+          </p:cNvPr>
+          <p:cNvSpPr/>
+          <p:nvPr/>
+        </p:nvSpPr>
+        <p:spPr>
+          <a:xfrm>
+            <a:off x="3143562" y="6974101"/>
+            <a:ext cx="1251585" cy="177165"/>
+          </a:xfrm>
+          <a:prstGeom prst="flowChartProcess">
+            <a:avLst/>
+          </a:prstGeom>
+          <a:solidFill>
+            <a:schemeClr val="bg1"/>
+          </a:solidFill>
+        </p:spPr>
+        <p:style>
+          <a:lnRef idx="2">
+            <a:schemeClr val="accent1">
+              <a:shade val="50000"/>
+            </a:schemeClr>
+          </a:lnRef>
+          <a:fillRef idx="1">
+            <a:schemeClr val="accent1"/>
+          </a:fillRef>
+          <a:effectRef idx="0">
+            <a:schemeClr val="accent1"/>
+          </a:effectRef>
+          <a:fontRef idx="minor">
+            <a:schemeClr val="lt1"/>
+          </a:fontRef>
+        </p:style>
+        <p:txBody>
+          <a:bodyPr rot="0" spcFirstLastPara="0" vertOverflow="overflow" horzOverflow="overflow" vert="horz" wrap="square" lIns="51435" tIns="25718" rIns="51435" bIns="25718" numCol="1" spcCol="0" rtlCol="0" fromWordArt="0" anchor="ctr" anchorCtr="0" forceAA="0" compatLnSpc="1">
+            <a:prstTxWarp prst="textNoShape">
+              <a:avLst/>
+            </a:prstTxWarp>
+            <a:noAutofit/>
+          </a:bodyPr>
+          <a:lstStyle/>
+          <a:p>
+            <a:pPr algn="ctr"/>
+            <a:r>
+              <a:rPr lang="en-US" altLang="ko-KR" sz="600" dirty="0">
+                <a:solidFill>
+                  <a:sysClr val="windowText" lastClr="000000"/>
+                </a:solidFill>
+              </a:rPr>
+              <a:t>URL </a:t>
+            </a:r>
+            <a:r>
+              <a:rPr lang="ko-KR" altLang="en-US" sz="600" dirty="0">
+                <a:solidFill>
+                  <a:sysClr val="windowText" lastClr="000000"/>
+                </a:solidFill>
+              </a:rPr>
+              <a:t>암호화</a:t>
+            </a:r>
+          </a:p>
+        </p:txBody>
+      </p:sp>
+      <p:sp>
+        <p:nvSpPr>
+          <p:cNvPr id="18" name="순서도: 판단 17">
+            <a:extLst>
+              <a:ext uri="{FF2B5EF4-FFF2-40B4-BE49-F238E27FC236}">
+                <a16:creationId xmlns:a16="http://schemas.microsoft.com/office/drawing/2014/main" id="{44C1F01F-893A-4BFD-B1F9-2E20AFD6B1F2}"/>
+              </a:ext>
+            </a:extLst>
+          </p:cNvPr>
+          <p:cNvSpPr/>
+          <p:nvPr/>
+        </p:nvSpPr>
+        <p:spPr>
+          <a:xfrm>
+            <a:off x="3143563" y="7464638"/>
+            <a:ext cx="1251585" cy="228600"/>
+          </a:xfrm>
+          <a:prstGeom prst="flowChartDecision">
+            <a:avLst/>
+          </a:prstGeom>
+          <a:solidFill>
+            <a:schemeClr val="bg1"/>
+          </a:solidFill>
+        </p:spPr>
+        <p:style>
+          <a:lnRef idx="2">
+            <a:schemeClr val="accent1">
+              <a:shade val="50000"/>
+            </a:schemeClr>
+          </a:lnRef>
+          <a:fillRef idx="1">
+            <a:schemeClr val="accent1"/>
+          </a:fillRef>
+          <a:effectRef idx="0">
+            <a:schemeClr val="accent1"/>
+          </a:effectRef>
+          <a:fontRef idx="minor">
+            <a:schemeClr val="lt1"/>
+          </a:fontRef>
+        </p:style>
+        <p:txBody>
+          <a:bodyPr rot="0" spcFirstLastPara="0" vertOverflow="overflow" horzOverflow="overflow" vert="horz" wrap="square" lIns="51435" tIns="25718" rIns="51435" bIns="25718" numCol="1" spcCol="0" rtlCol="0" fromWordArt="0" anchor="ctr" anchorCtr="0" forceAA="0" compatLnSpc="1">
+            <a:prstTxWarp prst="textNoShape">
+              <a:avLst/>
+            </a:prstTxWarp>
+            <a:noAutofit/>
+          </a:bodyPr>
+          <a:lstStyle/>
+          <a:p>
+            <a:pPr algn="ctr"/>
+            <a:r>
+              <a:rPr lang="en-US" altLang="ko-KR" sz="600" dirty="0">
+                <a:solidFill>
+                  <a:sysClr val="windowText" lastClr="000000"/>
+                </a:solidFill>
+              </a:rPr>
+              <a:t>HIT / MISS </a:t>
+            </a:r>
+            <a:r>
+              <a:rPr lang="ko-KR" altLang="en-US" sz="600" dirty="0">
+                <a:solidFill>
+                  <a:sysClr val="windowText" lastClr="000000"/>
+                </a:solidFill>
+              </a:rPr>
+              <a:t>확인</a:t>
+            </a:r>
+          </a:p>
+        </p:txBody>
+      </p:sp>
+      <p:sp>
+        <p:nvSpPr>
+          <p:cNvPr id="19" name="순서도: 처리 18">
+            <a:extLst>
+              <a:ext uri="{FF2B5EF4-FFF2-40B4-BE49-F238E27FC236}">
+                <a16:creationId xmlns:a16="http://schemas.microsoft.com/office/drawing/2014/main" id="{2EC56B39-E5C0-4B3C-BC1A-001C819A7BD2}"/>
+              </a:ext>
+            </a:extLst>
+          </p:cNvPr>
+          <p:cNvSpPr/>
+          <p:nvPr/>
+        </p:nvSpPr>
+        <p:spPr>
+          <a:xfrm>
+            <a:off x="4843885" y="7485769"/>
+            <a:ext cx="1251585" cy="177165"/>
+          </a:xfrm>
+          <a:prstGeom prst="flowChartProcess">
+            <a:avLst/>
+          </a:prstGeom>
+          <a:solidFill>
+            <a:schemeClr val="bg1"/>
+          </a:solidFill>
+        </p:spPr>
+        <p:style>
+          <a:lnRef idx="2">
+            <a:schemeClr val="accent1">
+              <a:shade val="50000"/>
+            </a:schemeClr>
+          </a:lnRef>
+          <a:fillRef idx="1">
+            <a:schemeClr val="accent1"/>
+          </a:fillRef>
+          <a:effectRef idx="0">
+            <a:schemeClr val="accent1"/>
+          </a:effectRef>
+          <a:fontRef idx="minor">
+            <a:schemeClr val="lt1"/>
+          </a:fontRef>
+        </p:style>
+        <p:txBody>
+          <a:bodyPr rot="0" spcFirstLastPara="0" vertOverflow="overflow" horzOverflow="overflow" vert="horz" wrap="square" lIns="51435" tIns="25718" rIns="51435" bIns="25718" numCol="1" spcCol="0" rtlCol="0" fromWordArt="0" anchor="ctr" anchorCtr="0" forceAA="0" compatLnSpc="1">
+            <a:prstTxWarp prst="textNoShape">
+              <a:avLst/>
+            </a:prstTxWarp>
+            <a:noAutofit/>
+          </a:bodyPr>
+          <a:lstStyle/>
+          <a:p>
+            <a:pPr algn="ctr"/>
+            <a:r>
+              <a:rPr lang="ko-KR" altLang="en-US" sz="600" dirty="0">
+                <a:solidFill>
+                  <a:sysClr val="windowText" lastClr="000000"/>
+                </a:solidFill>
+              </a:rPr>
+              <a:t>디렉토리</a:t>
+            </a:r>
+            <a:r>
+              <a:rPr lang="en-US" altLang="ko-KR" sz="600" dirty="0">
+                <a:solidFill>
+                  <a:sysClr val="windowText" lastClr="000000"/>
+                </a:solidFill>
+              </a:rPr>
+              <a:t>, </a:t>
+            </a:r>
+            <a:r>
+              <a:rPr lang="ko-KR" altLang="en-US" sz="600" dirty="0">
+                <a:solidFill>
+                  <a:sysClr val="windowText" lastClr="000000"/>
+                </a:solidFill>
+              </a:rPr>
+              <a:t>파일 생성</a:t>
+            </a:r>
+          </a:p>
+        </p:txBody>
+      </p:sp>
+      <p:sp>
+        <p:nvSpPr>
+          <p:cNvPr id="20" name="순서도: 처리 19">
+            <a:extLst>
+              <a:ext uri="{FF2B5EF4-FFF2-40B4-BE49-F238E27FC236}">
+                <a16:creationId xmlns:a16="http://schemas.microsoft.com/office/drawing/2014/main" id="{3B50082B-C383-46D5-A778-E581A3E8F0FE}"/>
+              </a:ext>
+            </a:extLst>
+          </p:cNvPr>
+          <p:cNvSpPr/>
+          <p:nvPr/>
+        </p:nvSpPr>
+        <p:spPr>
+          <a:xfrm>
+            <a:off x="4843885" y="6410322"/>
+            <a:ext cx="1251585" cy="177165"/>
+          </a:xfrm>
+          <a:prstGeom prst="flowChartProcess">
+            <a:avLst/>
+          </a:prstGeom>
+          <a:solidFill>
+            <a:schemeClr val="bg1"/>
+          </a:solidFill>
+        </p:spPr>
+        <p:style>
+          <a:lnRef idx="2">
+            <a:schemeClr val="accent1">
+              <a:shade val="50000"/>
+            </a:schemeClr>
+          </a:lnRef>
+          <a:fillRef idx="1">
+            <a:schemeClr val="accent1"/>
+          </a:fillRef>
+          <a:effectRef idx="0">
+            <a:schemeClr val="accent1"/>
+          </a:effectRef>
+          <a:fontRef idx="minor">
+            <a:schemeClr val="lt1"/>
+          </a:fontRef>
+        </p:style>
+        <p:txBody>
+          <a:bodyPr rot="0" spcFirstLastPara="0" vertOverflow="overflow" horzOverflow="overflow" vert="horz" wrap="square" lIns="51435" tIns="25718" rIns="51435" bIns="25718" numCol="1" spcCol="0" rtlCol="0" fromWordArt="0" anchor="ctr" anchorCtr="0" forceAA="0" compatLnSpc="1">
+            <a:prstTxWarp prst="textNoShape">
+              <a:avLst/>
+            </a:prstTxWarp>
+            <a:noAutofit/>
+          </a:bodyPr>
+          <a:lstStyle/>
+          <a:p>
+            <a:pPr algn="ctr"/>
+            <a:r>
+              <a:rPr lang="ko-KR" altLang="en-US" sz="600" dirty="0">
+                <a:solidFill>
+                  <a:sysClr val="windowText" lastClr="000000"/>
+                </a:solidFill>
+              </a:rPr>
+              <a:t>시간 기록 종료</a:t>
+            </a:r>
+          </a:p>
+        </p:txBody>
+      </p:sp>
+      <p:sp>
+        <p:nvSpPr>
+          <p:cNvPr id="21" name="순서도: 처리 20">
+            <a:extLst>
+              <a:ext uri="{FF2B5EF4-FFF2-40B4-BE49-F238E27FC236}">
+                <a16:creationId xmlns:a16="http://schemas.microsoft.com/office/drawing/2014/main" id="{F9E81827-06E0-43A3-BC4D-78724EA46B83}"/>
+              </a:ext>
+            </a:extLst>
+          </p:cNvPr>
+          <p:cNvSpPr/>
+          <p:nvPr/>
+        </p:nvSpPr>
+        <p:spPr>
+          <a:xfrm>
+            <a:off x="3143564" y="7957557"/>
+            <a:ext cx="1251585" cy="177165"/>
+          </a:xfrm>
+          <a:prstGeom prst="flowChartProcess">
+            <a:avLst/>
+          </a:prstGeom>
+          <a:solidFill>
+            <a:schemeClr val="bg1"/>
+          </a:solidFill>
+        </p:spPr>
+        <p:style>
+          <a:lnRef idx="2">
+            <a:schemeClr val="accent1">
+              <a:shade val="50000"/>
+            </a:schemeClr>
+          </a:lnRef>
+          <a:fillRef idx="1">
+            <a:schemeClr val="accent1"/>
+          </a:fillRef>
+          <a:effectRef idx="0">
+            <a:schemeClr val="accent1"/>
+          </a:effectRef>
+          <a:fontRef idx="minor">
+            <a:schemeClr val="lt1"/>
+          </a:fontRef>
+        </p:style>
+        <p:txBody>
+          <a:bodyPr rot="0" spcFirstLastPara="0" vertOverflow="overflow" horzOverflow="overflow" vert="horz" wrap="square" lIns="51435" tIns="25718" rIns="51435" bIns="25718" numCol="1" spcCol="0" rtlCol="0" fromWordArt="0" anchor="ctr" anchorCtr="0" forceAA="0" compatLnSpc="1">
+            <a:prstTxWarp prst="textNoShape">
+              <a:avLst/>
+            </a:prstTxWarp>
+            <a:noAutofit/>
+          </a:bodyPr>
+          <a:lstStyle/>
+          <a:p>
+            <a:pPr algn="ctr"/>
+            <a:r>
+              <a:rPr lang="en-US" altLang="ko-KR" sz="600" dirty="0">
+                <a:solidFill>
+                  <a:sysClr val="windowText" lastClr="000000"/>
+                </a:solidFill>
+              </a:rPr>
+              <a:t>Logfile.txt</a:t>
+            </a:r>
+            <a:r>
+              <a:rPr lang="ko-KR" altLang="en-US" sz="600" dirty="0">
+                <a:solidFill>
+                  <a:sysClr val="windowText" lastClr="000000"/>
+                </a:solidFill>
+              </a:rPr>
+              <a:t>에 정보 기록</a:t>
+            </a:r>
+          </a:p>
+        </p:txBody>
+      </p:sp>
+      <p:sp>
+        <p:nvSpPr>
+          <p:cNvPr id="22" name="순서도: 수행의 시작/종료 21">
+            <a:extLst>
+              <a:ext uri="{FF2B5EF4-FFF2-40B4-BE49-F238E27FC236}">
+                <a16:creationId xmlns:a16="http://schemas.microsoft.com/office/drawing/2014/main" id="{BD40FBE5-025B-4174-846C-1594A25CEDD9}"/>
+              </a:ext>
+            </a:extLst>
+          </p:cNvPr>
+          <p:cNvSpPr/>
+          <p:nvPr/>
+        </p:nvSpPr>
+        <p:spPr>
+          <a:xfrm>
+            <a:off x="3143564" y="8434760"/>
+            <a:ext cx="1251585" cy="201050"/>
+          </a:xfrm>
+          <a:prstGeom prst="flowChartTerminator">
+            <a:avLst/>
+          </a:prstGeom>
+          <a:solidFill>
+            <a:schemeClr val="bg1"/>
+          </a:solidFill>
+        </p:spPr>
+        <p:style>
+          <a:lnRef idx="2">
+            <a:schemeClr val="accent1">
+              <a:shade val="50000"/>
+            </a:schemeClr>
+          </a:lnRef>
+          <a:fillRef idx="1">
+            <a:schemeClr val="accent1"/>
+          </a:fillRef>
+          <a:effectRef idx="0">
+            <a:schemeClr val="accent1"/>
+          </a:effectRef>
+          <a:fontRef idx="minor">
+            <a:schemeClr val="lt1"/>
+          </a:fontRef>
+        </p:style>
+        <p:txBody>
+          <a:bodyPr rot="0" spcFirstLastPara="0" vertOverflow="overflow" horzOverflow="overflow" vert="horz" wrap="square" lIns="51435" tIns="25718" rIns="51435" bIns="25718" numCol="1" spcCol="0" rtlCol="0" fromWordArt="0" anchor="ctr" anchorCtr="0" forceAA="0" compatLnSpc="1">
+            <a:prstTxWarp prst="textNoShape">
+              <a:avLst/>
+            </a:prstTxWarp>
+            <a:noAutofit/>
+          </a:bodyPr>
+          <a:lstStyle/>
+          <a:p>
+            <a:pPr algn="ctr"/>
+            <a:r>
+              <a:rPr lang="ko-KR" altLang="en-US" sz="600" dirty="0">
+                <a:solidFill>
+                  <a:sysClr val="windowText" lastClr="000000"/>
+                </a:solidFill>
+              </a:rPr>
+              <a:t>종료</a:t>
+            </a:r>
+          </a:p>
+        </p:txBody>
+      </p:sp>
+      <p:cxnSp>
+        <p:nvCxnSpPr>
+          <p:cNvPr id="3" name="직선 화살표 연결선 2">
+            <a:extLst>
+              <a:ext uri="{FF2B5EF4-FFF2-40B4-BE49-F238E27FC236}">
+                <a16:creationId xmlns:a16="http://schemas.microsoft.com/office/drawing/2014/main" id="{8CE299F8-6BA5-44CE-9555-7A803C2971E1}"/>
+              </a:ext>
+            </a:extLst>
+          </p:cNvPr>
+          <p:cNvCxnSpPr>
+            <a:cxnSpLocks/>
+            <a:stCxn id="4" idx="2"/>
+          </p:cNvCxnSpPr>
+          <p:nvPr/>
+        </p:nvCxnSpPr>
+        <p:spPr>
+          <a:xfrm flipH="1">
+            <a:off x="2956553" y="3119113"/>
+            <a:ext cx="1" cy="259913"/>
+          </a:xfrm>
+          <a:prstGeom prst="straightConnector1">
+            <a:avLst/>
+          </a:prstGeom>
+          <a:ln>
+            <a:tailEnd type="triangle"/>
+          </a:ln>
+        </p:spPr>
+        <p:style>
+          <a:lnRef idx="1">
+            <a:schemeClr val="accent1"/>
+          </a:lnRef>
+          <a:fillRef idx="0">
+            <a:schemeClr val="accent1"/>
+          </a:fillRef>
+          <a:effectRef idx="0">
+            <a:schemeClr val="accent1"/>
+          </a:effectRef>
+          <a:fontRef idx="minor">
+            <a:schemeClr val="tx1"/>
+          </a:fontRef>
+        </p:style>
+      </p:cxnSp>
+      <p:cxnSp>
+        <p:nvCxnSpPr>
+          <p:cNvPr id="24" name="직선 화살표 연결선 23">
+            <a:extLst>
+              <a:ext uri="{FF2B5EF4-FFF2-40B4-BE49-F238E27FC236}">
+                <a16:creationId xmlns:a16="http://schemas.microsoft.com/office/drawing/2014/main" id="{3D0C9F35-1FDB-4987-AF97-54DD3E01A3B2}"/>
+              </a:ext>
+            </a:extLst>
+          </p:cNvPr>
+          <p:cNvCxnSpPr>
+            <a:stCxn id="14" idx="2"/>
+            <a:endCxn id="7" idx="0"/>
+          </p:cNvCxnSpPr>
+          <p:nvPr/>
+        </p:nvCxnSpPr>
+        <p:spPr>
+          <a:xfrm>
+            <a:off x="3769353" y="4223864"/>
+            <a:ext cx="0" cy="252437"/>
+          </a:xfrm>
+          <a:prstGeom prst="straightConnector1">
+            <a:avLst/>
+          </a:prstGeom>
+          <a:ln>
+            <a:tailEnd type="triangle"/>
+          </a:ln>
+        </p:spPr>
+        <p:style>
+          <a:lnRef idx="1">
+            <a:schemeClr val="accent1"/>
+          </a:lnRef>
+          <a:fillRef idx="0">
+            <a:schemeClr val="accent1"/>
+          </a:fillRef>
+          <a:effectRef idx="0">
+            <a:schemeClr val="accent1"/>
+          </a:effectRef>
+          <a:fontRef idx="minor">
+            <a:schemeClr val="tx1"/>
+          </a:fontRef>
+        </p:style>
+      </p:cxnSp>
+      <p:cxnSp>
+        <p:nvCxnSpPr>
+          <p:cNvPr id="26" name="직선 화살표 연결선 25">
+            <a:extLst>
+              <a:ext uri="{FF2B5EF4-FFF2-40B4-BE49-F238E27FC236}">
+                <a16:creationId xmlns:a16="http://schemas.microsoft.com/office/drawing/2014/main" id="{9BC5B594-C6B0-4405-BA66-6B8281B33E60}"/>
+              </a:ext>
+            </a:extLst>
+          </p:cNvPr>
+          <p:cNvCxnSpPr>
+            <a:stCxn id="7" idx="2"/>
+            <a:endCxn id="8" idx="0"/>
+          </p:cNvCxnSpPr>
+          <p:nvPr/>
+        </p:nvCxnSpPr>
+        <p:spPr>
+          <a:xfrm>
+            <a:off x="3769353" y="4653466"/>
+            <a:ext cx="8" cy="209623"/>
+          </a:xfrm>
+          <a:prstGeom prst="straightConnector1">
+            <a:avLst/>
+          </a:prstGeom>
+          <a:ln>
+            <a:tailEnd type="triangle"/>
+          </a:ln>
+        </p:spPr>
+        <p:style>
+          <a:lnRef idx="1">
+            <a:schemeClr val="accent1"/>
+          </a:lnRef>
+          <a:fillRef idx="0">
+            <a:schemeClr val="accent1"/>
+          </a:fillRef>
+          <a:effectRef idx="0">
+            <a:schemeClr val="accent1"/>
+          </a:effectRef>
+          <a:fontRef idx="minor">
+            <a:schemeClr val="tx1"/>
+          </a:fontRef>
+        </p:style>
+      </p:cxnSp>
+      <p:cxnSp>
+        <p:nvCxnSpPr>
+          <p:cNvPr id="28" name="직선 화살표 연결선 27">
+            <a:extLst>
+              <a:ext uri="{FF2B5EF4-FFF2-40B4-BE49-F238E27FC236}">
+                <a16:creationId xmlns:a16="http://schemas.microsoft.com/office/drawing/2014/main" id="{2279299A-8144-447B-899B-2C417A90E6F9}"/>
+              </a:ext>
+            </a:extLst>
+          </p:cNvPr>
+          <p:cNvCxnSpPr>
+            <a:endCxn id="10" idx="0"/>
+          </p:cNvCxnSpPr>
+          <p:nvPr/>
+        </p:nvCxnSpPr>
+        <p:spPr>
+          <a:xfrm>
+            <a:off x="3769352" y="5030155"/>
+            <a:ext cx="1" cy="274418"/>
+          </a:xfrm>
+          <a:prstGeom prst="straightConnector1">
+            <a:avLst/>
+          </a:prstGeom>
+          <a:ln>
+            <a:tailEnd type="triangle"/>
+          </a:ln>
+        </p:spPr>
+        <p:style>
+          <a:lnRef idx="1">
+            <a:schemeClr val="accent1"/>
+          </a:lnRef>
+          <a:fillRef idx="0">
+            <a:schemeClr val="accent1"/>
+          </a:fillRef>
+          <a:effectRef idx="0">
+            <a:schemeClr val="accent1"/>
+          </a:effectRef>
+          <a:fontRef idx="minor">
+            <a:schemeClr val="tx1"/>
+          </a:fontRef>
+        </p:style>
+      </p:cxnSp>
+      <p:cxnSp>
+        <p:nvCxnSpPr>
+          <p:cNvPr id="30" name="직선 화살표 연결선 29">
+            <a:extLst>
+              <a:ext uri="{FF2B5EF4-FFF2-40B4-BE49-F238E27FC236}">
+                <a16:creationId xmlns:a16="http://schemas.microsoft.com/office/drawing/2014/main" id="{D3261034-610B-404A-9C07-C2EB0330EFB1}"/>
+              </a:ext>
+            </a:extLst>
+          </p:cNvPr>
+          <p:cNvCxnSpPr>
+            <a:stCxn id="10" idx="2"/>
+            <a:endCxn id="12" idx="0"/>
+          </p:cNvCxnSpPr>
+          <p:nvPr/>
+        </p:nvCxnSpPr>
+        <p:spPr>
+          <a:xfrm>
+            <a:off x="3769353" y="5533173"/>
+            <a:ext cx="0" cy="331246"/>
+          </a:xfrm>
+          <a:prstGeom prst="straightConnector1">
+            <a:avLst/>
+          </a:prstGeom>
+          <a:ln>
+            <a:tailEnd type="triangle"/>
+          </a:ln>
+        </p:spPr>
+        <p:style>
+          <a:lnRef idx="1">
+            <a:schemeClr val="accent1"/>
+          </a:lnRef>
+          <a:fillRef idx="0">
+            <a:schemeClr val="accent1"/>
+          </a:fillRef>
+          <a:effectRef idx="0">
+            <a:schemeClr val="accent1"/>
+          </a:effectRef>
+          <a:fontRef idx="minor">
+            <a:schemeClr val="tx1"/>
+          </a:fontRef>
+        </p:style>
+      </p:cxnSp>
+      <p:cxnSp>
+        <p:nvCxnSpPr>
+          <p:cNvPr id="32" name="직선 화살표 연결선 31">
+            <a:extLst>
+              <a:ext uri="{FF2B5EF4-FFF2-40B4-BE49-F238E27FC236}">
+                <a16:creationId xmlns:a16="http://schemas.microsoft.com/office/drawing/2014/main" id="{D9B11DAA-9047-4FA6-8A2C-391378DBEB9A}"/>
+              </a:ext>
+            </a:extLst>
+          </p:cNvPr>
+          <p:cNvCxnSpPr>
+            <a:stCxn id="12" idx="2"/>
+            <a:endCxn id="17" idx="0"/>
+          </p:cNvCxnSpPr>
+          <p:nvPr/>
+        </p:nvCxnSpPr>
+        <p:spPr>
+          <a:xfrm>
+            <a:off x="3769353" y="6093019"/>
+            <a:ext cx="2" cy="291586"/>
+          </a:xfrm>
+          <a:prstGeom prst="straightConnector1">
+            <a:avLst/>
+          </a:prstGeom>
+          <a:ln>
+            <a:tailEnd type="triangle"/>
+          </a:ln>
+        </p:spPr>
+        <p:style>
+          <a:lnRef idx="1">
+            <a:schemeClr val="accent1"/>
+          </a:lnRef>
+          <a:fillRef idx="0">
+            <a:schemeClr val="accent1"/>
+          </a:fillRef>
+          <a:effectRef idx="0">
+            <a:schemeClr val="accent1"/>
+          </a:effectRef>
+          <a:fontRef idx="minor">
+            <a:schemeClr val="tx1"/>
+          </a:fontRef>
+        </p:style>
+      </p:cxnSp>
+      <p:cxnSp>
+        <p:nvCxnSpPr>
+          <p:cNvPr id="34" name="직선 화살표 연결선 33">
+            <a:extLst>
+              <a:ext uri="{FF2B5EF4-FFF2-40B4-BE49-F238E27FC236}">
+                <a16:creationId xmlns:a16="http://schemas.microsoft.com/office/drawing/2014/main" id="{372191FC-F1A9-4809-B07F-4BA471E9E1B1}"/>
+              </a:ext>
+            </a:extLst>
+          </p:cNvPr>
+          <p:cNvCxnSpPr>
+            <a:stCxn id="10" idx="3"/>
+            <a:endCxn id="9" idx="1"/>
+          </p:cNvCxnSpPr>
+          <p:nvPr/>
+        </p:nvCxnSpPr>
+        <p:spPr>
+          <a:xfrm flipV="1">
+            <a:off x="4395145" y="5399476"/>
+            <a:ext cx="448741" cy="19397"/>
+          </a:xfrm>
+          <a:prstGeom prst="straightConnector1">
+            <a:avLst/>
+          </a:prstGeom>
+          <a:ln>
+            <a:tailEnd type="triangle"/>
+          </a:ln>
+        </p:spPr>
+        <p:style>
+          <a:lnRef idx="1">
+            <a:schemeClr val="accent1"/>
+          </a:lnRef>
+          <a:fillRef idx="0">
+            <a:schemeClr val="accent1"/>
+          </a:fillRef>
+          <a:effectRef idx="0">
+            <a:schemeClr val="accent1"/>
+          </a:effectRef>
+          <a:fontRef idx="minor">
+            <a:schemeClr val="tx1"/>
+          </a:fontRef>
+        </p:style>
+      </p:cxnSp>
+      <p:cxnSp>
+        <p:nvCxnSpPr>
+          <p:cNvPr id="36" name="직선 화살표 연결선 35">
+            <a:extLst>
+              <a:ext uri="{FF2B5EF4-FFF2-40B4-BE49-F238E27FC236}">
+                <a16:creationId xmlns:a16="http://schemas.microsoft.com/office/drawing/2014/main" id="{BE2284E5-3263-46C2-9EE1-9E36AE7ED8F3}"/>
+              </a:ext>
+            </a:extLst>
+          </p:cNvPr>
+          <p:cNvCxnSpPr>
+            <a:stCxn id="17" idx="2"/>
+            <a:endCxn id="15" idx="0"/>
+          </p:cNvCxnSpPr>
+          <p:nvPr/>
+        </p:nvCxnSpPr>
+        <p:spPr>
+          <a:xfrm>
+            <a:off x="3769355" y="6613205"/>
+            <a:ext cx="0" cy="360896"/>
+          </a:xfrm>
+          <a:prstGeom prst="straightConnector1">
+            <a:avLst/>
+          </a:prstGeom>
+          <a:ln>
+            <a:tailEnd type="triangle"/>
+          </a:ln>
+        </p:spPr>
+        <p:style>
+          <a:lnRef idx="1">
+            <a:schemeClr val="accent1"/>
+          </a:lnRef>
+          <a:fillRef idx="0">
+            <a:schemeClr val="accent1"/>
+          </a:fillRef>
+          <a:effectRef idx="0">
+            <a:schemeClr val="accent1"/>
+          </a:effectRef>
+          <a:fontRef idx="minor">
+            <a:schemeClr val="tx1"/>
+          </a:fontRef>
+        </p:style>
+      </p:cxnSp>
+      <p:cxnSp>
+        <p:nvCxnSpPr>
+          <p:cNvPr id="38" name="직선 화살표 연결선 37">
+            <a:extLst>
+              <a:ext uri="{FF2B5EF4-FFF2-40B4-BE49-F238E27FC236}">
+                <a16:creationId xmlns:a16="http://schemas.microsoft.com/office/drawing/2014/main" id="{86554626-B9F5-4D63-A23B-2B88219DD18A}"/>
+              </a:ext>
+            </a:extLst>
+          </p:cNvPr>
+          <p:cNvCxnSpPr>
+            <a:stCxn id="15" idx="2"/>
+            <a:endCxn id="18" idx="0"/>
+          </p:cNvCxnSpPr>
+          <p:nvPr/>
+        </p:nvCxnSpPr>
+        <p:spPr>
+          <a:xfrm>
+            <a:off x="3769355" y="7151266"/>
+            <a:ext cx="1" cy="313372"/>
+          </a:xfrm>
+          <a:prstGeom prst="straightConnector1">
+            <a:avLst/>
+          </a:prstGeom>
+          <a:ln>
+            <a:tailEnd type="triangle"/>
+          </a:ln>
+        </p:spPr>
+        <p:style>
+          <a:lnRef idx="1">
+            <a:schemeClr val="accent1"/>
+          </a:lnRef>
+          <a:fillRef idx="0">
+            <a:schemeClr val="accent1"/>
+          </a:fillRef>
+          <a:effectRef idx="0">
+            <a:schemeClr val="accent1"/>
+          </a:effectRef>
+          <a:fontRef idx="minor">
+            <a:schemeClr val="tx1"/>
+          </a:fontRef>
+        </p:style>
+      </p:cxnSp>
+      <p:cxnSp>
+        <p:nvCxnSpPr>
+          <p:cNvPr id="40" name="직선 화살표 연결선 39">
+            <a:extLst>
+              <a:ext uri="{FF2B5EF4-FFF2-40B4-BE49-F238E27FC236}">
+                <a16:creationId xmlns:a16="http://schemas.microsoft.com/office/drawing/2014/main" id="{CC904BDD-49B3-4A3F-8F46-A9DA67078579}"/>
+              </a:ext>
+            </a:extLst>
+          </p:cNvPr>
+          <p:cNvCxnSpPr>
+            <a:stCxn id="18" idx="2"/>
+            <a:endCxn id="21" idx="0"/>
+          </p:cNvCxnSpPr>
+          <p:nvPr/>
+        </p:nvCxnSpPr>
+        <p:spPr>
+          <a:xfrm>
+            <a:off x="3769356" y="7693238"/>
+            <a:ext cx="1" cy="264319"/>
+          </a:xfrm>
+          <a:prstGeom prst="straightConnector1">
+            <a:avLst/>
+          </a:prstGeom>
+          <a:ln>
+            <a:tailEnd type="triangle"/>
+          </a:ln>
+        </p:spPr>
+        <p:style>
+          <a:lnRef idx="1">
+            <a:schemeClr val="accent1"/>
+          </a:lnRef>
+          <a:fillRef idx="0">
+            <a:schemeClr val="accent1"/>
+          </a:fillRef>
+          <a:effectRef idx="0">
+            <a:schemeClr val="accent1"/>
+          </a:effectRef>
+          <a:fontRef idx="minor">
+            <a:schemeClr val="tx1"/>
+          </a:fontRef>
+        </p:style>
+      </p:cxnSp>
+      <p:cxnSp>
+        <p:nvCxnSpPr>
+          <p:cNvPr id="44" name="직선 화살표 연결선 43">
+            <a:extLst>
+              <a:ext uri="{FF2B5EF4-FFF2-40B4-BE49-F238E27FC236}">
+                <a16:creationId xmlns:a16="http://schemas.microsoft.com/office/drawing/2014/main" id="{31BF6F7E-EA8B-4FBA-A083-C558467B8D8E}"/>
+              </a:ext>
+            </a:extLst>
+          </p:cNvPr>
+          <p:cNvCxnSpPr>
+            <a:stCxn id="12" idx="1"/>
+            <a:endCxn id="13" idx="3"/>
+          </p:cNvCxnSpPr>
+          <p:nvPr/>
+        </p:nvCxnSpPr>
+        <p:spPr>
+          <a:xfrm flipH="1">
+            <a:off x="2521480" y="5978719"/>
+            <a:ext cx="622080" cy="0"/>
+          </a:xfrm>
+          <a:prstGeom prst="straightConnector1">
+            <a:avLst/>
+          </a:prstGeom>
+          <a:ln>
+            <a:tailEnd type="triangle"/>
+          </a:ln>
+        </p:spPr>
+        <p:style>
+          <a:lnRef idx="1">
+            <a:schemeClr val="accent1"/>
+          </a:lnRef>
+          <a:fillRef idx="0">
+            <a:schemeClr val="accent1"/>
+          </a:fillRef>
+          <a:effectRef idx="0">
+            <a:schemeClr val="accent1"/>
+          </a:effectRef>
+          <a:fontRef idx="minor">
+            <a:schemeClr val="tx1"/>
+          </a:fontRef>
+        </p:style>
+      </p:cxnSp>
+      <p:cxnSp>
+        <p:nvCxnSpPr>
+          <p:cNvPr id="46" name="직선 화살표 연결선 45">
+            <a:extLst>
+              <a:ext uri="{FF2B5EF4-FFF2-40B4-BE49-F238E27FC236}">
+                <a16:creationId xmlns:a16="http://schemas.microsoft.com/office/drawing/2014/main" id="{54DBD43F-DB29-49E4-A7CB-9C6558F7E57F}"/>
+              </a:ext>
+            </a:extLst>
+          </p:cNvPr>
+          <p:cNvCxnSpPr>
+            <a:stCxn id="17" idx="3"/>
+            <a:endCxn id="20" idx="1"/>
+          </p:cNvCxnSpPr>
+          <p:nvPr/>
+        </p:nvCxnSpPr>
+        <p:spPr>
+          <a:xfrm>
+            <a:off x="4395147" y="6498905"/>
+            <a:ext cx="448738" cy="0"/>
+          </a:xfrm>
+          <a:prstGeom prst="straightConnector1">
+            <a:avLst/>
+          </a:prstGeom>
+          <a:ln>
+            <a:tailEnd type="triangle"/>
+          </a:ln>
+        </p:spPr>
+        <p:style>
+          <a:lnRef idx="1">
+            <a:schemeClr val="accent1"/>
+          </a:lnRef>
+          <a:fillRef idx="0">
+            <a:schemeClr val="accent1"/>
+          </a:fillRef>
+          <a:effectRef idx="0">
+            <a:schemeClr val="accent1"/>
+          </a:effectRef>
+          <a:fontRef idx="minor">
+            <a:schemeClr val="tx1"/>
+          </a:fontRef>
+        </p:style>
+      </p:cxnSp>
+      <p:cxnSp>
+        <p:nvCxnSpPr>
+          <p:cNvPr id="48" name="직선 화살표 연결선 47">
+            <a:extLst>
+              <a:ext uri="{FF2B5EF4-FFF2-40B4-BE49-F238E27FC236}">
+                <a16:creationId xmlns:a16="http://schemas.microsoft.com/office/drawing/2014/main" id="{06573C3B-F493-4E1F-B868-DA99BBF098CD}"/>
+              </a:ext>
+            </a:extLst>
+          </p:cNvPr>
+          <p:cNvCxnSpPr>
+            <a:stCxn id="18" idx="3"/>
+            <a:endCxn id="19" idx="1"/>
+          </p:cNvCxnSpPr>
+          <p:nvPr/>
+        </p:nvCxnSpPr>
+        <p:spPr>
+          <a:xfrm flipV="1">
+            <a:off x="4395148" y="7574352"/>
+            <a:ext cx="448737" cy="4586"/>
+          </a:xfrm>
+          <a:prstGeom prst="straightConnector1">
+            <a:avLst/>
+          </a:prstGeom>
+          <a:ln>
+            <a:tailEnd type="triangle"/>
+          </a:ln>
+        </p:spPr>
+        <p:style>
+          <a:lnRef idx="1">
+            <a:schemeClr val="accent1"/>
+          </a:lnRef>
+          <a:fillRef idx="0">
+            <a:schemeClr val="accent1"/>
+          </a:fillRef>
+          <a:effectRef idx="0">
+            <a:schemeClr val="accent1"/>
+          </a:effectRef>
+          <a:fontRef idx="minor">
+            <a:schemeClr val="tx1"/>
+          </a:fontRef>
+        </p:style>
+      </p:cxnSp>
+      <p:cxnSp>
+        <p:nvCxnSpPr>
+          <p:cNvPr id="56" name="직선 연결선 55">
+            <a:extLst>
+              <a:ext uri="{FF2B5EF4-FFF2-40B4-BE49-F238E27FC236}">
+                <a16:creationId xmlns:a16="http://schemas.microsoft.com/office/drawing/2014/main" id="{5330865B-F642-4AE8-9C65-C6FA02AF287F}"/>
+              </a:ext>
+            </a:extLst>
+          </p:cNvPr>
+          <p:cNvCxnSpPr>
+            <a:stCxn id="9" idx="2"/>
+          </p:cNvCxnSpPr>
+          <p:nvPr/>
+        </p:nvCxnSpPr>
+        <p:spPr>
+          <a:xfrm flipH="1">
+            <a:off x="5469677" y="5488058"/>
+            <a:ext cx="2" cy="490660"/>
+          </a:xfrm>
+          <a:prstGeom prst="line">
+            <a:avLst/>
+          </a:prstGeom>
+        </p:spPr>
+        <p:style>
+          <a:lnRef idx="1">
+            <a:schemeClr val="accent1"/>
+          </a:lnRef>
+          <a:fillRef idx="0">
+            <a:schemeClr val="accent1"/>
+          </a:fillRef>
+          <a:effectRef idx="0">
+            <a:schemeClr val="accent1"/>
+          </a:effectRef>
+          <a:fontRef idx="minor">
+            <a:schemeClr val="tx1"/>
+          </a:fontRef>
+        </p:style>
+      </p:cxnSp>
+      <p:cxnSp>
+        <p:nvCxnSpPr>
+          <p:cNvPr id="58" name="직선 화살표 연결선 57">
+            <a:extLst>
+              <a:ext uri="{FF2B5EF4-FFF2-40B4-BE49-F238E27FC236}">
+                <a16:creationId xmlns:a16="http://schemas.microsoft.com/office/drawing/2014/main" id="{466904C4-EEA2-4202-B9A5-F9624028F5EB}"/>
+              </a:ext>
+            </a:extLst>
+          </p:cNvPr>
+          <p:cNvCxnSpPr>
+            <a:endCxn id="12" idx="3"/>
+          </p:cNvCxnSpPr>
+          <p:nvPr/>
+        </p:nvCxnSpPr>
+        <p:spPr>
+          <a:xfrm flipH="1">
+            <a:off x="4395145" y="5978718"/>
+            <a:ext cx="1074532" cy="1"/>
+          </a:xfrm>
+          <a:prstGeom prst="straightConnector1">
+            <a:avLst/>
+          </a:prstGeom>
+          <a:ln>
+            <a:tailEnd type="triangle"/>
+          </a:ln>
+        </p:spPr>
+        <p:style>
+          <a:lnRef idx="1">
+            <a:schemeClr val="accent1"/>
+          </a:lnRef>
+          <a:fillRef idx="0">
+            <a:schemeClr val="accent1"/>
+          </a:fillRef>
+          <a:effectRef idx="0">
+            <a:schemeClr val="accent1"/>
+          </a:effectRef>
+          <a:fontRef idx="minor">
+            <a:schemeClr val="tx1"/>
+          </a:fontRef>
+        </p:style>
+      </p:cxnSp>
+      <p:cxnSp>
+        <p:nvCxnSpPr>
+          <p:cNvPr id="61" name="직선 연결선 60">
+            <a:extLst>
+              <a:ext uri="{FF2B5EF4-FFF2-40B4-BE49-F238E27FC236}">
+                <a16:creationId xmlns:a16="http://schemas.microsoft.com/office/drawing/2014/main" id="{D702ADD0-D82F-418F-A5EE-9D88E4999CB0}"/>
+              </a:ext>
+            </a:extLst>
+          </p:cNvPr>
+          <p:cNvCxnSpPr>
+            <a:cxnSpLocks/>
+          </p:cNvCxnSpPr>
+          <p:nvPr/>
+        </p:nvCxnSpPr>
+        <p:spPr>
+          <a:xfrm>
+            <a:off x="1899907" y="6067301"/>
+            <a:ext cx="0" cy="439705"/>
+          </a:xfrm>
+          <a:prstGeom prst="line">
+            <a:avLst/>
+          </a:prstGeom>
+        </p:spPr>
+        <p:style>
+          <a:lnRef idx="1">
+            <a:schemeClr val="accent1"/>
+          </a:lnRef>
+          <a:fillRef idx="0">
+            <a:schemeClr val="accent1"/>
+          </a:fillRef>
+          <a:effectRef idx="0">
+            <a:schemeClr val="accent1"/>
+          </a:effectRef>
+          <a:fontRef idx="minor">
+            <a:schemeClr val="tx1"/>
+          </a:fontRef>
+        </p:style>
+      </p:cxnSp>
+      <p:cxnSp>
+        <p:nvCxnSpPr>
+          <p:cNvPr id="63" name="직선 화살표 연결선 62">
+            <a:extLst>
+              <a:ext uri="{FF2B5EF4-FFF2-40B4-BE49-F238E27FC236}">
+                <a16:creationId xmlns:a16="http://schemas.microsoft.com/office/drawing/2014/main" id="{6882CB6D-72B6-4F9F-919C-5BB5412A8A17}"/>
+              </a:ext>
+            </a:extLst>
+          </p:cNvPr>
+          <p:cNvCxnSpPr>
+            <a:cxnSpLocks/>
+            <a:endCxn id="17" idx="1"/>
+          </p:cNvCxnSpPr>
+          <p:nvPr/>
+        </p:nvCxnSpPr>
+        <p:spPr>
+          <a:xfrm flipV="1">
+            <a:off x="1895687" y="6498905"/>
+            <a:ext cx="1247875" cy="21795"/>
+          </a:xfrm>
+          <a:prstGeom prst="straightConnector1">
+            <a:avLst/>
+          </a:prstGeom>
+          <a:ln>
+            <a:tailEnd type="triangle"/>
+          </a:ln>
+        </p:spPr>
+        <p:style>
+          <a:lnRef idx="1">
+            <a:schemeClr val="accent1"/>
+          </a:lnRef>
+          <a:fillRef idx="0">
+            <a:schemeClr val="accent1"/>
+          </a:fillRef>
+          <a:effectRef idx="0">
+            <a:schemeClr val="accent1"/>
+          </a:effectRef>
+          <a:fontRef idx="minor">
+            <a:schemeClr val="tx1"/>
+          </a:fontRef>
+        </p:style>
+      </p:cxnSp>
+      <p:cxnSp>
+        <p:nvCxnSpPr>
+          <p:cNvPr id="67" name="직선 연결선 66">
+            <a:extLst>
+              <a:ext uri="{FF2B5EF4-FFF2-40B4-BE49-F238E27FC236}">
+                <a16:creationId xmlns:a16="http://schemas.microsoft.com/office/drawing/2014/main" id="{4DE9B582-35AD-43B9-96E5-9A1E0530FA7C}"/>
+              </a:ext>
+            </a:extLst>
+          </p:cNvPr>
+          <p:cNvCxnSpPr>
+            <a:stCxn id="19" idx="2"/>
+          </p:cNvCxnSpPr>
+          <p:nvPr/>
+        </p:nvCxnSpPr>
+        <p:spPr>
+          <a:xfrm flipH="1">
+            <a:off x="5469677" y="7662934"/>
+            <a:ext cx="1" cy="383205"/>
+          </a:xfrm>
+          <a:prstGeom prst="line">
+            <a:avLst/>
+          </a:prstGeom>
+        </p:spPr>
+        <p:style>
+          <a:lnRef idx="1">
+            <a:schemeClr val="accent1"/>
+          </a:lnRef>
+          <a:fillRef idx="0">
+            <a:schemeClr val="accent1"/>
+          </a:fillRef>
+          <a:effectRef idx="0">
+            <a:schemeClr val="accent1"/>
+          </a:effectRef>
+          <a:fontRef idx="minor">
+            <a:schemeClr val="tx1"/>
+          </a:fontRef>
+        </p:style>
+      </p:cxnSp>
+      <p:cxnSp>
+        <p:nvCxnSpPr>
+          <p:cNvPr id="69" name="직선 화살표 연결선 68">
+            <a:extLst>
+              <a:ext uri="{FF2B5EF4-FFF2-40B4-BE49-F238E27FC236}">
+                <a16:creationId xmlns:a16="http://schemas.microsoft.com/office/drawing/2014/main" id="{C44D2441-7645-44E1-A2C0-E2FDE30CD8D4}"/>
+              </a:ext>
+            </a:extLst>
+          </p:cNvPr>
+          <p:cNvCxnSpPr>
+            <a:endCxn id="21" idx="3"/>
+          </p:cNvCxnSpPr>
+          <p:nvPr/>
+        </p:nvCxnSpPr>
+        <p:spPr>
+          <a:xfrm flipH="1">
+            <a:off x="4395149" y="8046139"/>
+            <a:ext cx="1083205" cy="1"/>
+          </a:xfrm>
+          <a:prstGeom prst="straightConnector1">
+            <a:avLst/>
+          </a:prstGeom>
+          <a:ln>
+            <a:tailEnd type="triangle"/>
+          </a:ln>
+        </p:spPr>
+        <p:style>
+          <a:lnRef idx="1">
+            <a:schemeClr val="accent1"/>
+          </a:lnRef>
+          <a:fillRef idx="0">
+            <a:schemeClr val="accent1"/>
+          </a:fillRef>
+          <a:effectRef idx="0">
+            <a:schemeClr val="accent1"/>
+          </a:effectRef>
+          <a:fontRef idx="minor">
+            <a:schemeClr val="tx1"/>
+          </a:fontRef>
+        </p:style>
+      </p:cxnSp>
+      <p:cxnSp>
+        <p:nvCxnSpPr>
+          <p:cNvPr id="71" name="직선 연결선 70">
+            <a:extLst>
+              <a:ext uri="{FF2B5EF4-FFF2-40B4-BE49-F238E27FC236}">
+                <a16:creationId xmlns:a16="http://schemas.microsoft.com/office/drawing/2014/main" id="{C6046411-3312-43A4-940E-D69F12454F9A}"/>
+              </a:ext>
+            </a:extLst>
+          </p:cNvPr>
+          <p:cNvCxnSpPr>
+            <a:stCxn id="20" idx="3"/>
+          </p:cNvCxnSpPr>
+          <p:nvPr/>
+        </p:nvCxnSpPr>
+        <p:spPr>
+          <a:xfrm flipV="1">
+            <a:off x="6095470" y="6498904"/>
+            <a:ext cx="389997" cy="1"/>
+          </a:xfrm>
+          <a:prstGeom prst="line">
+            <a:avLst/>
+          </a:prstGeom>
+        </p:spPr>
+        <p:style>
+          <a:lnRef idx="1">
+            <a:schemeClr val="accent1"/>
+          </a:lnRef>
+          <a:fillRef idx="0">
+            <a:schemeClr val="accent1"/>
+          </a:fillRef>
+          <a:effectRef idx="0">
+            <a:schemeClr val="accent1"/>
+          </a:effectRef>
+          <a:fontRef idx="minor">
+            <a:schemeClr val="tx1"/>
+          </a:fontRef>
+        </p:style>
+      </p:cxnSp>
+      <p:cxnSp>
+        <p:nvCxnSpPr>
+          <p:cNvPr id="75" name="직선 연결선 74">
+            <a:extLst>
+              <a:ext uri="{FF2B5EF4-FFF2-40B4-BE49-F238E27FC236}">
+                <a16:creationId xmlns:a16="http://schemas.microsoft.com/office/drawing/2014/main" id="{83627B46-0EAE-43BC-B058-FABAFD7B8369}"/>
+              </a:ext>
+            </a:extLst>
+          </p:cNvPr>
+          <p:cNvCxnSpPr>
+            <a:cxnSpLocks/>
+          </p:cNvCxnSpPr>
+          <p:nvPr/>
+        </p:nvCxnSpPr>
+        <p:spPr>
+          <a:xfrm>
+            <a:off x="6485467" y="6498904"/>
+            <a:ext cx="0" cy="2036381"/>
+          </a:xfrm>
+          <a:prstGeom prst="line">
+            <a:avLst/>
+          </a:prstGeom>
+        </p:spPr>
+        <p:style>
+          <a:lnRef idx="1">
+            <a:schemeClr val="accent1"/>
+          </a:lnRef>
+          <a:fillRef idx="0">
+            <a:schemeClr val="accent1"/>
+          </a:fillRef>
+          <a:effectRef idx="0">
+            <a:schemeClr val="accent1"/>
+          </a:effectRef>
+          <a:fontRef idx="minor">
+            <a:schemeClr val="tx1"/>
+          </a:fontRef>
+        </p:style>
+      </p:cxnSp>
+      <p:cxnSp>
+        <p:nvCxnSpPr>
+          <p:cNvPr id="78" name="직선 화살표 연결선 77">
+            <a:extLst>
+              <a:ext uri="{FF2B5EF4-FFF2-40B4-BE49-F238E27FC236}">
+                <a16:creationId xmlns:a16="http://schemas.microsoft.com/office/drawing/2014/main" id="{D216F001-4C98-444D-BF41-55DB7110ADB5}"/>
+              </a:ext>
+            </a:extLst>
+          </p:cNvPr>
+          <p:cNvCxnSpPr>
+            <a:cxnSpLocks/>
+            <a:endCxn id="22" idx="3"/>
+          </p:cNvCxnSpPr>
+          <p:nvPr/>
+        </p:nvCxnSpPr>
+        <p:spPr>
+          <a:xfrm flipH="1" flipV="1">
+            <a:off x="4395149" y="8535285"/>
+            <a:ext cx="2090318" cy="9386"/>
+          </a:xfrm>
+          <a:prstGeom prst="straightConnector1">
+            <a:avLst/>
+          </a:prstGeom>
+          <a:ln>
+            <a:tailEnd type="triangle"/>
+          </a:ln>
+        </p:spPr>
+        <p:style>
+          <a:lnRef idx="1">
+            <a:schemeClr val="accent1"/>
+          </a:lnRef>
+          <a:fillRef idx="0">
+            <a:schemeClr val="accent1"/>
+          </a:fillRef>
+          <a:effectRef idx="0">
+            <a:schemeClr val="accent1"/>
+          </a:effectRef>
+          <a:fontRef idx="minor">
+            <a:schemeClr val="tx1"/>
+          </a:fontRef>
+        </p:style>
+      </p:cxnSp>
+      <p:cxnSp>
+        <p:nvCxnSpPr>
+          <p:cNvPr id="85" name="직선 연결선 84">
+            <a:extLst>
+              <a:ext uri="{FF2B5EF4-FFF2-40B4-BE49-F238E27FC236}">
+                <a16:creationId xmlns:a16="http://schemas.microsoft.com/office/drawing/2014/main" id="{2C85F8BA-66E2-4D50-A765-33F4F3E32F46}"/>
+              </a:ext>
+            </a:extLst>
+          </p:cNvPr>
+          <p:cNvCxnSpPr>
+            <a:cxnSpLocks/>
+            <a:stCxn id="18" idx="1"/>
+          </p:cNvCxnSpPr>
+          <p:nvPr/>
+        </p:nvCxnSpPr>
+        <p:spPr>
+          <a:xfrm flipH="1">
+            <a:off x="1398686" y="7578938"/>
+            <a:ext cx="1744877" cy="4251"/>
+          </a:xfrm>
+          <a:prstGeom prst="line">
+            <a:avLst/>
+          </a:prstGeom>
+        </p:spPr>
+        <p:style>
+          <a:lnRef idx="1">
+            <a:schemeClr val="accent1"/>
+          </a:lnRef>
+          <a:fillRef idx="0">
+            <a:schemeClr val="accent1"/>
+          </a:fillRef>
+          <a:effectRef idx="0">
+            <a:schemeClr val="accent1"/>
+          </a:effectRef>
+          <a:fontRef idx="minor">
+            <a:schemeClr val="tx1"/>
+          </a:fontRef>
+        </p:style>
+      </p:cxnSp>
+      <p:cxnSp>
+        <p:nvCxnSpPr>
+          <p:cNvPr id="87" name="직선 연결선 86">
+            <a:extLst>
+              <a:ext uri="{FF2B5EF4-FFF2-40B4-BE49-F238E27FC236}">
+                <a16:creationId xmlns:a16="http://schemas.microsoft.com/office/drawing/2014/main" id="{90877E40-38DC-433D-833E-0AA3E9980F9B}"/>
+              </a:ext>
+            </a:extLst>
+          </p:cNvPr>
+          <p:cNvCxnSpPr/>
+          <p:nvPr/>
+        </p:nvCxnSpPr>
+        <p:spPr>
+          <a:xfrm flipV="1">
+            <a:off x="1398686" y="4135281"/>
+            <a:ext cx="0" cy="3447908"/>
+          </a:xfrm>
+          <a:prstGeom prst="line">
+            <a:avLst/>
+          </a:prstGeom>
+        </p:spPr>
+        <p:style>
+          <a:lnRef idx="1">
+            <a:schemeClr val="accent1"/>
+          </a:lnRef>
+          <a:fillRef idx="0">
+            <a:schemeClr val="accent1"/>
+          </a:fillRef>
+          <a:effectRef idx="0">
+            <a:schemeClr val="accent1"/>
+          </a:effectRef>
+          <a:fontRef idx="minor">
+            <a:schemeClr val="tx1"/>
+          </a:fontRef>
+        </p:style>
+      </p:cxnSp>
+      <p:cxnSp>
+        <p:nvCxnSpPr>
+          <p:cNvPr id="89" name="직선 화살표 연결선 88">
+            <a:extLst>
+              <a:ext uri="{FF2B5EF4-FFF2-40B4-BE49-F238E27FC236}">
+                <a16:creationId xmlns:a16="http://schemas.microsoft.com/office/drawing/2014/main" id="{5653DB40-6869-411D-B6EF-05F6F29881B0}"/>
+              </a:ext>
+            </a:extLst>
+          </p:cNvPr>
+          <p:cNvCxnSpPr>
+            <a:cxnSpLocks/>
+            <a:endCxn id="14" idx="1"/>
+          </p:cNvCxnSpPr>
+          <p:nvPr/>
+        </p:nvCxnSpPr>
+        <p:spPr>
+          <a:xfrm flipV="1">
+            <a:off x="1398686" y="4135282"/>
+            <a:ext cx="1744874" cy="16228"/>
+          </a:xfrm>
+          <a:prstGeom prst="straightConnector1">
+            <a:avLst/>
+          </a:prstGeom>
+          <a:ln>
+            <a:tailEnd type="triangle"/>
+          </a:ln>
+        </p:spPr>
+        <p:style>
+          <a:lnRef idx="1">
+            <a:schemeClr val="accent1"/>
+          </a:lnRef>
+          <a:fillRef idx="0">
+            <a:schemeClr val="accent1"/>
+          </a:fillRef>
+          <a:effectRef idx="0">
+            <a:schemeClr val="accent1"/>
+          </a:effectRef>
+          <a:fontRef idx="minor">
+            <a:schemeClr val="tx1"/>
+          </a:fontRef>
+        </p:style>
+      </p:cxnSp>
+    </p:spTree>
+    <p:extLst>
+      <p:ext uri="{BB962C8B-B14F-4D97-AF65-F5344CB8AC3E}">
+        <p14:creationId xmlns:p14="http://schemas.microsoft.com/office/powerpoint/2010/main" val="1167695113"/>
+      </p:ext>
+    </p:extLst>
+  </p:cSld>
+  <p:clrMapOvr>
+    <a:masterClrMapping/>
+  </p:clrMapOvr>
+</p:sld>
+</file>
+
+<file path=ppt/slides/slide3.xml><?xml version="1.0" encoding="utf-8"?>
+<p:sld xmlns:a="http://schemas.openxmlformats.org/drawingml/2006/main" xmlns:r="http://schemas.openxmlformats.org/officeDocument/2006/relationships" xmlns:p="http://schemas.openxmlformats.org/presentationml/2006/main">
+  <p:cSld>
+    <p:spTree>
+      <p:nvGrpSpPr>
+        <p:cNvPr id="1" name=""/>
+        <p:cNvGrpSpPr/>
+        <p:nvPr/>
+      </p:nvGrpSpPr>
+      <p:grpSpPr>
+        <a:xfrm>
+          <a:off x="0" y="0"/>
+          <a:ext cx="0" cy="0"/>
+          <a:chOff x="0" y="0"/>
+          <a:chExt cx="0" cy="0"/>
+        </a:xfrm>
+      </p:grpSpPr>
+      <p:sp>
+        <p:nvSpPr>
+          <p:cNvPr id="4" name="순서도: 수행의 시작/종료 3">
+            <a:extLst>
+              <a:ext uri="{FF2B5EF4-FFF2-40B4-BE49-F238E27FC236}">
+                <a16:creationId xmlns:a16="http://schemas.microsoft.com/office/drawing/2014/main" id="{5BE3E6B4-2F96-4F04-9570-7B0D33DA0CA8}"/>
+              </a:ext>
+            </a:extLst>
+          </p:cNvPr>
+          <p:cNvSpPr/>
+          <p:nvPr/>
+        </p:nvSpPr>
+        <p:spPr>
+          <a:xfrm>
+            <a:off x="468941" y="1676859"/>
+            <a:ext cx="1251585" cy="201050"/>
+          </a:xfrm>
+          <a:prstGeom prst="flowChartTerminator">
+            <a:avLst/>
+          </a:prstGeom>
+          <a:solidFill>
+            <a:schemeClr val="bg1"/>
+          </a:solidFill>
+        </p:spPr>
+        <p:style>
+          <a:lnRef idx="2">
+            <a:schemeClr val="accent1">
+              <a:shade val="50000"/>
+            </a:schemeClr>
+          </a:lnRef>
+          <a:fillRef idx="1">
+            <a:schemeClr val="accent1"/>
+          </a:fillRef>
+          <a:effectRef idx="0">
+            <a:schemeClr val="accent1"/>
+          </a:effectRef>
+          <a:fontRef idx="minor">
+            <a:schemeClr val="lt1"/>
+          </a:fontRef>
+        </p:style>
+        <p:txBody>
+          <a:bodyPr rot="0" spcFirstLastPara="0" vertOverflow="overflow" horzOverflow="overflow" vert="horz" wrap="square" lIns="51435" tIns="25718" rIns="51435" bIns="25718" numCol="1" spcCol="0" rtlCol="0" fromWordArt="0" anchor="ctr" anchorCtr="0" forceAA="0" compatLnSpc="1">
+            <a:prstTxWarp prst="textNoShape">
+              <a:avLst/>
+            </a:prstTxWarp>
+            <a:noAutofit/>
+          </a:bodyPr>
+          <a:lstStyle/>
+          <a:p>
+            <a:pPr algn="ctr"/>
+            <a:r>
+              <a:rPr lang="ko-KR" altLang="en-US" sz="600" dirty="0">
+                <a:solidFill>
+                  <a:sysClr val="windowText" lastClr="000000"/>
+                </a:solidFill>
+              </a:rPr>
+              <a:t>시작</a:t>
+            </a:r>
+          </a:p>
+        </p:txBody>
+      </p:sp>
+      <p:sp>
+        <p:nvSpPr>
+          <p:cNvPr id="5" name="순서도: 처리 4">
+            <a:extLst>
+              <a:ext uri="{FF2B5EF4-FFF2-40B4-BE49-F238E27FC236}">
+                <a16:creationId xmlns:a16="http://schemas.microsoft.com/office/drawing/2014/main" id="{293F7331-62E5-4044-A660-EC8CEE20D5E6}"/>
+              </a:ext>
+            </a:extLst>
+          </p:cNvPr>
+          <p:cNvSpPr/>
+          <p:nvPr/>
+        </p:nvSpPr>
+        <p:spPr>
+          <a:xfrm>
+            <a:off x="468940" y="2137822"/>
+            <a:ext cx="1251585" cy="177165"/>
+          </a:xfrm>
+          <a:prstGeom prst="flowChartProcess">
+            <a:avLst/>
+          </a:prstGeom>
+          <a:solidFill>
+            <a:schemeClr val="bg1"/>
+          </a:solidFill>
+        </p:spPr>
+        <p:style>
+          <a:lnRef idx="2">
+            <a:schemeClr val="accent1">
+              <a:shade val="50000"/>
+            </a:schemeClr>
+          </a:lnRef>
+          <a:fillRef idx="1">
+            <a:schemeClr val="accent1"/>
+          </a:fillRef>
+          <a:effectRef idx="0">
+            <a:schemeClr val="accent1"/>
+          </a:effectRef>
+          <a:fontRef idx="minor">
+            <a:schemeClr val="lt1"/>
+          </a:fontRef>
+        </p:style>
+        <p:txBody>
+          <a:bodyPr rot="0" spcFirstLastPara="0" vertOverflow="overflow" horzOverflow="overflow" vert="horz" wrap="square" lIns="51435" tIns="25718" rIns="51435" bIns="25718" numCol="1" spcCol="0" rtlCol="0" fromWordArt="0" anchor="ctr" anchorCtr="0" forceAA="0" compatLnSpc="1">
+            <a:prstTxWarp prst="textNoShape">
+              <a:avLst/>
+            </a:prstTxWarp>
+            <a:noAutofit/>
+          </a:bodyPr>
+          <a:lstStyle/>
+          <a:p>
+            <a:pPr algn="ctr"/>
+            <a:r>
               <a:rPr lang="ko-KR" altLang="en-US" sz="600" dirty="0">
                 <a:solidFill>
                   <a:sysClr val="windowText" lastClr="000000"/>
@@ -3794,7 +5918,7 @@
         </p:nvSpPr>
         <p:spPr>
           <a:xfrm>
-            <a:off x="2330760" y="4370814"/>
+            <a:off x="468940" y="3219930"/>
             <a:ext cx="1251585" cy="177165"/>
           </a:xfrm>
           <a:prstGeom prst="flowChartProcess">
@@ -3836,6 +5960,336 @@
                   <a:sysClr val="windowText" lastClr="000000"/>
                 </a:solidFill>
               </a:rPr>
+              <a:t>Child process </a:t>
+            </a:r>
+            <a:r>
+              <a:rPr lang="ko-KR" altLang="en-US" sz="600" dirty="0">
+                <a:solidFill>
+                  <a:sysClr val="windowText" lastClr="000000"/>
+                </a:solidFill>
+              </a:rPr>
+              <a:t>생성</a:t>
+            </a:r>
+          </a:p>
+        </p:txBody>
+      </p:sp>
+      <p:sp>
+        <p:nvSpPr>
+          <p:cNvPr id="8" name="순서도: 처리 7">
+            <a:extLst>
+              <a:ext uri="{FF2B5EF4-FFF2-40B4-BE49-F238E27FC236}">
+                <a16:creationId xmlns:a16="http://schemas.microsoft.com/office/drawing/2014/main" id="{C3D0A2E5-C97E-4A5B-83A7-A1C4962582A1}"/>
+              </a:ext>
+            </a:extLst>
+          </p:cNvPr>
+          <p:cNvSpPr/>
+          <p:nvPr/>
+        </p:nvSpPr>
+        <p:spPr>
+          <a:xfrm>
+            <a:off x="468940" y="3690231"/>
+            <a:ext cx="1251585" cy="177165"/>
+          </a:xfrm>
+          <a:prstGeom prst="flowChartProcess">
+            <a:avLst/>
+          </a:prstGeom>
+          <a:solidFill>
+            <a:schemeClr val="bg1"/>
+          </a:solidFill>
+        </p:spPr>
+        <p:style>
+          <a:lnRef idx="2">
+            <a:schemeClr val="accent1">
+              <a:shade val="50000"/>
+            </a:schemeClr>
+          </a:lnRef>
+          <a:fillRef idx="1">
+            <a:schemeClr val="accent1"/>
+          </a:fillRef>
+          <a:effectRef idx="0">
+            <a:schemeClr val="accent1"/>
+          </a:effectRef>
+          <a:fontRef idx="minor">
+            <a:schemeClr val="lt1"/>
+          </a:fontRef>
+        </p:style>
+        <p:txBody>
+          <a:bodyPr rot="0" spcFirstLastPara="0" vertOverflow="overflow" horzOverflow="overflow" vert="horz" wrap="square" lIns="51435" tIns="25718" rIns="51435" bIns="25718" numCol="1" spcCol="0" rtlCol="0" fromWordArt="0" anchor="ctr" anchorCtr="0" forceAA="0" compatLnSpc="1">
+            <a:prstTxWarp prst="textNoShape">
+              <a:avLst/>
+            </a:prstTxWarp>
+            <a:noAutofit/>
+          </a:bodyPr>
+          <a:lstStyle/>
+          <a:p>
+            <a:pPr algn="ctr"/>
+            <a:r>
+              <a:rPr lang="en-US" altLang="ko-KR" sz="600" dirty="0">
+                <a:solidFill>
+                  <a:sysClr val="windowText" lastClr="000000"/>
+                </a:solidFill>
+              </a:rPr>
+              <a:t>Parent process </a:t>
+            </a:r>
+            <a:r>
+              <a:rPr lang="ko-KR" altLang="en-US" sz="600" dirty="0">
+                <a:solidFill>
+                  <a:sysClr val="windowText" lastClr="000000"/>
+                </a:solidFill>
+              </a:rPr>
+              <a:t>대기</a:t>
+            </a:r>
+          </a:p>
+        </p:txBody>
+      </p:sp>
+      <p:cxnSp>
+        <p:nvCxnSpPr>
+          <p:cNvPr id="3" name="직선 화살표 연결선 2">
+            <a:extLst>
+              <a:ext uri="{FF2B5EF4-FFF2-40B4-BE49-F238E27FC236}">
+                <a16:creationId xmlns:a16="http://schemas.microsoft.com/office/drawing/2014/main" id="{8CE299F8-6BA5-44CE-9555-7A803C2971E1}"/>
+              </a:ext>
+            </a:extLst>
+          </p:cNvPr>
+          <p:cNvCxnSpPr>
+            <a:cxnSpLocks/>
+          </p:cNvCxnSpPr>
+          <p:nvPr/>
+        </p:nvCxnSpPr>
+        <p:spPr>
+          <a:xfrm flipH="1">
+            <a:off x="1094733" y="1877909"/>
+            <a:ext cx="1" cy="259913"/>
+          </a:xfrm>
+          <a:prstGeom prst="straightConnector1">
+            <a:avLst/>
+          </a:prstGeom>
+          <a:ln>
+            <a:tailEnd type="triangle"/>
+          </a:ln>
+        </p:spPr>
+        <p:style>
+          <a:lnRef idx="1">
+            <a:schemeClr val="accent1"/>
+          </a:lnRef>
+          <a:fillRef idx="0">
+            <a:schemeClr val="accent1"/>
+          </a:fillRef>
+          <a:effectRef idx="0">
+            <a:schemeClr val="accent1"/>
+          </a:effectRef>
+          <a:fontRef idx="minor">
+            <a:schemeClr val="tx1"/>
+          </a:fontRef>
+        </p:style>
+      </p:cxnSp>
+      <p:cxnSp>
+        <p:nvCxnSpPr>
+          <p:cNvPr id="11" name="직선 화살표 연결선 10">
+            <a:extLst>
+              <a:ext uri="{FF2B5EF4-FFF2-40B4-BE49-F238E27FC236}">
+                <a16:creationId xmlns:a16="http://schemas.microsoft.com/office/drawing/2014/main" id="{FCA20D93-4BE0-410E-A551-C8284B2DEAFB}"/>
+              </a:ext>
+            </a:extLst>
+          </p:cNvPr>
+          <p:cNvCxnSpPr>
+            <a:cxnSpLocks/>
+          </p:cNvCxnSpPr>
+          <p:nvPr/>
+        </p:nvCxnSpPr>
+        <p:spPr>
+          <a:xfrm>
+            <a:off x="1094733" y="2314987"/>
+            <a:ext cx="0" cy="338140"/>
+          </a:xfrm>
+          <a:prstGeom prst="straightConnector1">
+            <a:avLst/>
+          </a:prstGeom>
+          <a:ln>
+            <a:tailEnd type="triangle"/>
+          </a:ln>
+        </p:spPr>
+        <p:style>
+          <a:lnRef idx="1">
+            <a:schemeClr val="accent1"/>
+          </a:lnRef>
+          <a:fillRef idx="0">
+            <a:schemeClr val="accent1"/>
+          </a:fillRef>
+          <a:effectRef idx="0">
+            <a:schemeClr val="accent1"/>
+          </a:effectRef>
+          <a:fontRef idx="minor">
+            <a:schemeClr val="tx1"/>
+          </a:fontRef>
+        </p:style>
+      </p:cxnSp>
+      <p:cxnSp>
+        <p:nvCxnSpPr>
+          <p:cNvPr id="24" name="직선 화살표 연결선 23">
+            <a:extLst>
+              <a:ext uri="{FF2B5EF4-FFF2-40B4-BE49-F238E27FC236}">
+                <a16:creationId xmlns:a16="http://schemas.microsoft.com/office/drawing/2014/main" id="{3D0C9F35-1FDB-4987-AF97-54DD3E01A3B2}"/>
+              </a:ext>
+            </a:extLst>
+          </p:cNvPr>
+          <p:cNvCxnSpPr>
+            <a:cxnSpLocks/>
+          </p:cNvCxnSpPr>
+          <p:nvPr/>
+        </p:nvCxnSpPr>
+        <p:spPr>
+          <a:xfrm>
+            <a:off x="1094733" y="2886607"/>
+            <a:ext cx="0" cy="333323"/>
+          </a:xfrm>
+          <a:prstGeom prst="straightConnector1">
+            <a:avLst/>
+          </a:prstGeom>
+          <a:ln>
+            <a:tailEnd type="triangle"/>
+          </a:ln>
+        </p:spPr>
+        <p:style>
+          <a:lnRef idx="1">
+            <a:schemeClr val="accent1"/>
+          </a:lnRef>
+          <a:fillRef idx="0">
+            <a:schemeClr val="accent1"/>
+          </a:fillRef>
+          <a:effectRef idx="0">
+            <a:schemeClr val="accent1"/>
+          </a:effectRef>
+          <a:fontRef idx="minor">
+            <a:schemeClr val="tx1"/>
+          </a:fontRef>
+        </p:style>
+      </p:cxnSp>
+      <p:sp>
+        <p:nvSpPr>
+          <p:cNvPr id="47" name="순서도: 판단 46">
+            <a:extLst>
+              <a:ext uri="{FF2B5EF4-FFF2-40B4-BE49-F238E27FC236}">
+                <a16:creationId xmlns:a16="http://schemas.microsoft.com/office/drawing/2014/main" id="{96C9AE43-B1CC-45DF-9F6F-5E45D4B4612E}"/>
+              </a:ext>
+            </a:extLst>
+          </p:cNvPr>
+          <p:cNvSpPr/>
+          <p:nvPr/>
+        </p:nvSpPr>
+        <p:spPr>
+          <a:xfrm>
+            <a:off x="468940" y="2658007"/>
+            <a:ext cx="1251585" cy="228600"/>
+          </a:xfrm>
+          <a:prstGeom prst="flowChartDecision">
+            <a:avLst/>
+          </a:prstGeom>
+          <a:solidFill>
+            <a:schemeClr val="bg1"/>
+          </a:solidFill>
+        </p:spPr>
+        <p:style>
+          <a:lnRef idx="2">
+            <a:schemeClr val="accent1">
+              <a:shade val="50000"/>
+            </a:schemeClr>
+          </a:lnRef>
+          <a:fillRef idx="1">
+            <a:schemeClr val="accent1"/>
+          </a:fillRef>
+          <a:effectRef idx="0">
+            <a:schemeClr val="accent1"/>
+          </a:effectRef>
+          <a:fontRef idx="minor">
+            <a:schemeClr val="lt1"/>
+          </a:fontRef>
+        </p:style>
+        <p:txBody>
+          <a:bodyPr rot="0" spcFirstLastPara="0" vertOverflow="overflow" horzOverflow="overflow" vert="horz" wrap="square" lIns="51435" tIns="25718" rIns="51435" bIns="25718" numCol="1" spcCol="0" rtlCol="0" fromWordArt="0" anchor="ctr" anchorCtr="0" forceAA="0" compatLnSpc="1">
+            <a:prstTxWarp prst="textNoShape">
+              <a:avLst/>
+            </a:prstTxWarp>
+            <a:noAutofit/>
+          </a:bodyPr>
+          <a:lstStyle/>
+          <a:p>
+            <a:pPr algn="ctr"/>
+            <a:r>
+              <a:rPr lang="en-US" altLang="ko-KR" sz="600" dirty="0">
+                <a:solidFill>
+                  <a:sysClr val="windowText" lastClr="000000"/>
+                </a:solidFill>
+              </a:rPr>
+              <a:t>CMD </a:t>
+            </a:r>
+            <a:r>
+              <a:rPr lang="ko-KR" altLang="en-US" sz="600" dirty="0">
+                <a:solidFill>
+                  <a:sysClr val="windowText" lastClr="000000"/>
+                </a:solidFill>
+              </a:rPr>
+              <a:t>입력</a:t>
+            </a:r>
+          </a:p>
+        </p:txBody>
+      </p:sp>
+      <p:sp>
+        <p:nvSpPr>
+          <p:cNvPr id="57" name="순서도: 처리 56">
+            <a:extLst>
+              <a:ext uri="{FF2B5EF4-FFF2-40B4-BE49-F238E27FC236}">
+                <a16:creationId xmlns:a16="http://schemas.microsoft.com/office/drawing/2014/main" id="{83BEEE99-8095-4324-AE27-53004601A08D}"/>
+              </a:ext>
+            </a:extLst>
+          </p:cNvPr>
+          <p:cNvSpPr/>
+          <p:nvPr/>
+        </p:nvSpPr>
+        <p:spPr>
+          <a:xfrm>
+            <a:off x="3966520" y="2656006"/>
+            <a:ext cx="1251585" cy="177165"/>
+          </a:xfrm>
+          <a:prstGeom prst="flowChartProcess">
+            <a:avLst/>
+          </a:prstGeom>
+          <a:solidFill>
+            <a:schemeClr val="bg1"/>
+          </a:solidFill>
+        </p:spPr>
+        <p:style>
+          <a:lnRef idx="2">
+            <a:schemeClr val="accent1">
+              <a:shade val="50000"/>
+            </a:schemeClr>
+          </a:lnRef>
+          <a:fillRef idx="1">
+            <a:schemeClr val="accent1"/>
+          </a:fillRef>
+          <a:effectRef idx="0">
+            <a:schemeClr val="accent1"/>
+          </a:effectRef>
+          <a:fontRef idx="minor">
+            <a:schemeClr val="lt1"/>
+          </a:fontRef>
+        </p:style>
+        <p:txBody>
+          <a:bodyPr rot="0" spcFirstLastPara="0" vertOverflow="overflow" horzOverflow="overflow" vert="horz" wrap="square" lIns="51435" tIns="25718" rIns="51435" bIns="25718" numCol="1" spcCol="0" rtlCol="0" fromWordArt="0" anchor="ctr" anchorCtr="0" forceAA="0" compatLnSpc="1">
+            <a:prstTxWarp prst="textNoShape">
+              <a:avLst/>
+            </a:prstTxWarp>
+            <a:noAutofit/>
+          </a:bodyPr>
+          <a:lstStyle/>
+          <a:p>
+            <a:pPr algn="ctr"/>
+            <a:r>
+              <a:rPr lang="en-US" altLang="ko-KR" sz="600" dirty="0">
+                <a:solidFill>
+                  <a:sysClr val="windowText" lastClr="000000"/>
+                </a:solidFill>
+              </a:rPr>
               <a:t>Home Dir Path </a:t>
             </a:r>
             <a:r>
@@ -3851,10 +6305,10 @@
       </p:sp>
       <p:sp>
         <p:nvSpPr>
-          <p:cNvPr id="8" name="순서도: 처리 7">
-            <a:extLst>
-              <a:ext uri="{FF2B5EF4-FFF2-40B4-BE49-F238E27FC236}">
-                <a16:creationId xmlns:a16="http://schemas.microsoft.com/office/drawing/2014/main" id="{C3D0A2E5-C97E-4A5B-83A7-A1C4962582A1}"/>
+          <p:cNvPr id="59" name="순서도: 처리 58">
+            <a:extLst>
+              <a:ext uri="{FF2B5EF4-FFF2-40B4-BE49-F238E27FC236}">
+                <a16:creationId xmlns:a16="http://schemas.microsoft.com/office/drawing/2014/main" id="{E5F1C62C-8423-48C8-86DB-893B34C4F87D}"/>
               </a:ext>
             </a:extLst>
           </p:cNvPr>
@@ -3863,7 +6317,7 @@
         </p:nvSpPr>
         <p:spPr>
           <a:xfrm>
-            <a:off x="2330768" y="4757602"/>
+            <a:off x="3966528" y="3042794"/>
             <a:ext cx="1251585" cy="177165"/>
           </a:xfrm>
           <a:prstGeom prst="flowChartProcess">
@@ -3936,10 +6390,10 @@
       </p:sp>
       <p:sp>
         <p:nvSpPr>
-          <p:cNvPr id="9" name="순서도: 처리 8">
-            <a:extLst>
-              <a:ext uri="{FF2B5EF4-FFF2-40B4-BE49-F238E27FC236}">
-                <a16:creationId xmlns:a16="http://schemas.microsoft.com/office/drawing/2014/main" id="{B8B96D02-3B51-409E-9346-D7D7F767FD3D}"/>
+          <p:cNvPr id="60" name="순서도: 처리 59">
+            <a:extLst>
+              <a:ext uri="{FF2B5EF4-FFF2-40B4-BE49-F238E27FC236}">
+                <a16:creationId xmlns:a16="http://schemas.microsoft.com/office/drawing/2014/main" id="{EDE01D42-F8C7-404D-BA97-F92C2785FF4E}"/>
               </a:ext>
             </a:extLst>
           </p:cNvPr>
@@ -3948,7 +6402,7 @@
         </p:nvSpPr>
         <p:spPr>
           <a:xfrm>
-            <a:off x="4031086" y="5205406"/>
+            <a:off x="5531000" y="3502819"/>
             <a:ext cx="1251585" cy="177165"/>
           </a:xfrm>
           <a:prstGeom prst="flowChartProcess">
@@ -3997,10 +6451,10 @@
       </p:sp>
       <p:sp>
         <p:nvSpPr>
-          <p:cNvPr id="10" name="순서도: 판단 9">
-            <a:extLst>
-              <a:ext uri="{FF2B5EF4-FFF2-40B4-BE49-F238E27FC236}">
-                <a16:creationId xmlns:a16="http://schemas.microsoft.com/office/drawing/2014/main" id="{0F3FC3B5-DB1F-4772-8ABA-41271DD74F04}"/>
+          <p:cNvPr id="62" name="순서도: 판단 61">
+            <a:extLst>
+              <a:ext uri="{FF2B5EF4-FFF2-40B4-BE49-F238E27FC236}">
+                <a16:creationId xmlns:a16="http://schemas.microsoft.com/office/drawing/2014/main" id="{724614AF-C1C5-43CE-A805-C4E450066E93}"/>
               </a:ext>
             </a:extLst>
           </p:cNvPr>
@@ -4009,7 +6463,7 @@
         </p:nvSpPr>
         <p:spPr>
           <a:xfrm>
-            <a:off x="2330760" y="5199086"/>
+            <a:off x="3966520" y="3484278"/>
             <a:ext cx="1251585" cy="228600"/>
           </a:xfrm>
           <a:prstGeom prst="flowChartDecision">
@@ -4093,10 +6547,10 @@
       </p:sp>
       <p:sp>
         <p:nvSpPr>
-          <p:cNvPr id="12" name="순서도: 판단 11">
-            <a:extLst>
-              <a:ext uri="{FF2B5EF4-FFF2-40B4-BE49-F238E27FC236}">
-                <a16:creationId xmlns:a16="http://schemas.microsoft.com/office/drawing/2014/main" id="{8874C277-8409-444A-AAC7-2302ACA31055}"/>
+          <p:cNvPr id="64" name="순서도: 판단 63">
+            <a:extLst>
+              <a:ext uri="{FF2B5EF4-FFF2-40B4-BE49-F238E27FC236}">
+                <a16:creationId xmlns:a16="http://schemas.microsoft.com/office/drawing/2014/main" id="{418B5254-8804-4534-8B3F-BA526F4626FE}"/>
               </a:ext>
             </a:extLst>
           </p:cNvPr>
@@ -4105,7 +6559,7 @@
         </p:nvSpPr>
         <p:spPr>
           <a:xfrm>
-            <a:off x="2330760" y="5758932"/>
+            <a:off x="3966520" y="4044124"/>
             <a:ext cx="1251585" cy="228600"/>
           </a:xfrm>
           <a:prstGeom prst="flowChartDecision">
@@ -4162,10 +6616,10 @@
       </p:sp>
       <p:sp>
         <p:nvSpPr>
-          <p:cNvPr id="13" name="순서도: 처리 12">
-            <a:extLst>
-              <a:ext uri="{FF2B5EF4-FFF2-40B4-BE49-F238E27FC236}">
-                <a16:creationId xmlns:a16="http://schemas.microsoft.com/office/drawing/2014/main" id="{343B6B0A-3CDE-4C2C-ABBE-F58E9D391463}"/>
+          <p:cNvPr id="65" name="순서도: 처리 64">
+            <a:extLst>
+              <a:ext uri="{FF2B5EF4-FFF2-40B4-BE49-F238E27FC236}">
+                <a16:creationId xmlns:a16="http://schemas.microsoft.com/office/drawing/2014/main" id="{52CCF786-1EE4-4733-8E59-336FCEF6CBB3}"/>
               </a:ext>
             </a:extLst>
           </p:cNvPr>
@@ -4174,7 +6628,7 @@
         </p:nvSpPr>
         <p:spPr>
           <a:xfrm>
-            <a:off x="457095" y="5784649"/>
+            <a:off x="2092855" y="4069841"/>
             <a:ext cx="1251585" cy="177165"/>
           </a:xfrm>
           <a:prstGeom prst="flowChartProcess">
@@ -4231,10 +6685,10 @@
       </p:sp>
       <p:sp>
         <p:nvSpPr>
-          <p:cNvPr id="14" name="순서도: 처리 13">
-            <a:extLst>
-              <a:ext uri="{FF2B5EF4-FFF2-40B4-BE49-F238E27FC236}">
-                <a16:creationId xmlns:a16="http://schemas.microsoft.com/office/drawing/2014/main" id="{600384DD-054C-422D-8FC8-CB1A4F078728}"/>
+          <p:cNvPr id="66" name="순서도: 처리 65">
+            <a:extLst>
+              <a:ext uri="{FF2B5EF4-FFF2-40B4-BE49-F238E27FC236}">
+                <a16:creationId xmlns:a16="http://schemas.microsoft.com/office/drawing/2014/main" id="{ECB37A1B-22A1-498E-86BA-5E5081CA2FD1}"/>
               </a:ext>
             </a:extLst>
           </p:cNvPr>
@@ -4243,7 +6697,7 @@
         </p:nvSpPr>
         <p:spPr>
           <a:xfrm>
-            <a:off x="2330760" y="3941212"/>
+            <a:off x="3966520" y="2226404"/>
             <a:ext cx="1251585" cy="177165"/>
           </a:xfrm>
           <a:prstGeom prst="flowChartProcess">
@@ -4300,10 +6754,10 @@
       </p:sp>
       <p:sp>
         <p:nvSpPr>
-          <p:cNvPr id="17" name="순서도: 판단 16">
-            <a:extLst>
-              <a:ext uri="{FF2B5EF4-FFF2-40B4-BE49-F238E27FC236}">
-                <a16:creationId xmlns:a16="http://schemas.microsoft.com/office/drawing/2014/main" id="{A46515EB-3A2E-4615-A536-4BBB49F96640}"/>
+          <p:cNvPr id="68" name="순서도: 판단 67">
+            <a:extLst>
+              <a:ext uri="{FF2B5EF4-FFF2-40B4-BE49-F238E27FC236}">
+                <a16:creationId xmlns:a16="http://schemas.microsoft.com/office/drawing/2014/main" id="{F8F77D7F-294B-4ACB-B6E5-FC799A7F42FF}"/>
               </a:ext>
             </a:extLst>
           </p:cNvPr>
@@ -4312,7 +6766,7 @@
         </p:nvSpPr>
         <p:spPr>
           <a:xfrm>
-            <a:off x="2330762" y="6279118"/>
+            <a:off x="3966522" y="4564310"/>
             <a:ext cx="1251585" cy="228600"/>
           </a:xfrm>
           <a:prstGeom prst="flowChartDecision">
@@ -4385,10 +6839,10 @@
       </p:sp>
       <p:sp>
         <p:nvSpPr>
-          <p:cNvPr id="15" name="순서도: 처리 14">
-            <a:extLst>
-              <a:ext uri="{FF2B5EF4-FFF2-40B4-BE49-F238E27FC236}">
-                <a16:creationId xmlns:a16="http://schemas.microsoft.com/office/drawing/2014/main" id="{4E56E166-D7CD-4D70-96CC-2803EACF4DF0}"/>
+          <p:cNvPr id="70" name="순서도: 처리 69">
+            <a:extLst>
+              <a:ext uri="{FF2B5EF4-FFF2-40B4-BE49-F238E27FC236}">
+                <a16:creationId xmlns:a16="http://schemas.microsoft.com/office/drawing/2014/main" id="{65DC1E22-CA5F-46A0-8382-F41C1383BDA7}"/>
               </a:ext>
             </a:extLst>
           </p:cNvPr>
@@ -4397,7 +6851,7 @@
         </p:nvSpPr>
         <p:spPr>
           <a:xfrm>
-            <a:off x="2330762" y="6868614"/>
+            <a:off x="3966522" y="5153806"/>
             <a:ext cx="1251585" cy="177165"/>
           </a:xfrm>
           <a:prstGeom prst="flowChartProcess">
@@ -4454,10 +6908,10 @@
       </p:sp>
       <p:sp>
         <p:nvSpPr>
-          <p:cNvPr id="18" name="순서도: 판단 17">
-            <a:extLst>
-              <a:ext uri="{FF2B5EF4-FFF2-40B4-BE49-F238E27FC236}">
-                <a16:creationId xmlns:a16="http://schemas.microsoft.com/office/drawing/2014/main" id="{44C1F01F-893A-4BFD-B1F9-2E20AFD6B1F2}"/>
+          <p:cNvPr id="72" name="순서도: 판단 71">
+            <a:extLst>
+              <a:ext uri="{FF2B5EF4-FFF2-40B4-BE49-F238E27FC236}">
+                <a16:creationId xmlns:a16="http://schemas.microsoft.com/office/drawing/2014/main" id="{1C8CF200-8F78-48FB-AD88-84479DCDEA01}"/>
               </a:ext>
             </a:extLst>
           </p:cNvPr>
@@ -4466,7 +6920,7 @@
         </p:nvSpPr>
         <p:spPr>
           <a:xfrm>
-            <a:off x="2330763" y="7359151"/>
+            <a:off x="3966523" y="5644343"/>
             <a:ext cx="1251585" cy="228600"/>
           </a:xfrm>
           <a:prstGeom prst="flowChartDecision">
@@ -4523,10 +6977,10 @@
       </p:sp>
       <p:sp>
         <p:nvSpPr>
-          <p:cNvPr id="19" name="순서도: 처리 18">
-            <a:extLst>
-              <a:ext uri="{FF2B5EF4-FFF2-40B4-BE49-F238E27FC236}">
-                <a16:creationId xmlns:a16="http://schemas.microsoft.com/office/drawing/2014/main" id="{2EC56B39-E5C0-4B3C-BC1A-001C819A7BD2}"/>
+          <p:cNvPr id="73" name="순서도: 처리 72">
+            <a:extLst>
+              <a:ext uri="{FF2B5EF4-FFF2-40B4-BE49-F238E27FC236}">
+                <a16:creationId xmlns:a16="http://schemas.microsoft.com/office/drawing/2014/main" id="{7F0E7C54-45C6-40D2-B232-300DA3D1772F}"/>
               </a:ext>
             </a:extLst>
           </p:cNvPr>
@@ -4535,7 +6989,7 @@
         </p:nvSpPr>
         <p:spPr>
           <a:xfrm>
-            <a:off x="4031085" y="7380282"/>
+            <a:off x="5495256" y="5670060"/>
             <a:ext cx="1251585" cy="177165"/>
           </a:xfrm>
           <a:prstGeom prst="flowChartProcess">
@@ -4600,10 +7054,10 @@
       </p:sp>
       <p:sp>
         <p:nvSpPr>
-          <p:cNvPr id="20" name="순서도: 처리 19">
-            <a:extLst>
-              <a:ext uri="{FF2B5EF4-FFF2-40B4-BE49-F238E27FC236}">
-                <a16:creationId xmlns:a16="http://schemas.microsoft.com/office/drawing/2014/main" id="{3B50082B-C383-46D5-A778-E581A3E8F0FE}"/>
+          <p:cNvPr id="74" name="순서도: 처리 73">
+            <a:extLst>
+              <a:ext uri="{FF2B5EF4-FFF2-40B4-BE49-F238E27FC236}">
+                <a16:creationId xmlns:a16="http://schemas.microsoft.com/office/drawing/2014/main" id="{E0F5E73E-18F3-44C4-ACE7-D2C3602532A8}"/>
               </a:ext>
             </a:extLst>
           </p:cNvPr>
@@ -4612,7 +7066,7 @@
         </p:nvSpPr>
         <p:spPr>
           <a:xfrm>
-            <a:off x="4031085" y="6304835"/>
+            <a:off x="5530998" y="4598128"/>
             <a:ext cx="1251585" cy="177165"/>
           </a:xfrm>
           <a:prstGeom prst="flowChartProcess">
@@ -4661,10 +7115,10 @@
       </p:sp>
       <p:sp>
         <p:nvSpPr>
-          <p:cNvPr id="21" name="순서도: 처리 20">
-            <a:extLst>
-              <a:ext uri="{FF2B5EF4-FFF2-40B4-BE49-F238E27FC236}">
-                <a16:creationId xmlns:a16="http://schemas.microsoft.com/office/drawing/2014/main" id="{F9E81827-06E0-43A3-BC4D-78724EA46B83}"/>
+          <p:cNvPr id="76" name="순서도: 처리 75">
+            <a:extLst>
+              <a:ext uri="{FF2B5EF4-FFF2-40B4-BE49-F238E27FC236}">
+                <a16:creationId xmlns:a16="http://schemas.microsoft.com/office/drawing/2014/main" id="{FDD1FCE5-2CCC-48AD-B33C-7CF9A3F4B5EC}"/>
               </a:ext>
             </a:extLst>
           </p:cNvPr>
@@ -4673,7 +7127,7 @@
         </p:nvSpPr>
         <p:spPr>
           <a:xfrm>
-            <a:off x="2330764" y="7852070"/>
+            <a:off x="3966524" y="6137262"/>
             <a:ext cx="1251585" cy="177165"/>
           </a:xfrm>
           <a:prstGeom prst="flowChartProcess">
@@ -4730,10 +7184,10 @@
       </p:sp>
       <p:sp>
         <p:nvSpPr>
-          <p:cNvPr id="22" name="순서도: 수행의 시작/종료 21">
-            <a:extLst>
-              <a:ext uri="{FF2B5EF4-FFF2-40B4-BE49-F238E27FC236}">
-                <a16:creationId xmlns:a16="http://schemas.microsoft.com/office/drawing/2014/main" id="{BD40FBE5-025B-4174-846C-1594A25CEDD9}"/>
+          <p:cNvPr id="77" name="순서도: 수행의 시작/종료 76">
+            <a:extLst>
+              <a:ext uri="{FF2B5EF4-FFF2-40B4-BE49-F238E27FC236}">
+                <a16:creationId xmlns:a16="http://schemas.microsoft.com/office/drawing/2014/main" id="{A7B7C386-6904-441A-86FE-F20D3C87AC57}"/>
               </a:ext>
             </a:extLst>
           </p:cNvPr>
@@ -4742,7 +7196,7 @@
         </p:nvSpPr>
         <p:spPr>
           <a:xfrm>
-            <a:off x="2330764" y="8329273"/>
+            <a:off x="3966524" y="6614465"/>
             <a:ext cx="1251585" cy="201050"/>
           </a:xfrm>
           <a:prstGeom prst="flowChartTerminator">
@@ -4779,6 +7233,14 @@
           <a:p>
             <a:pPr algn="ctr"/>
             <a:r>
+              <a:rPr lang="en-US" altLang="ko-KR" sz="600" dirty="0">
+                <a:solidFill>
+                  <a:sysClr val="windowText" lastClr="000000"/>
+                </a:solidFill>
+              </a:rPr>
+              <a:t>Child process </a:t>
+            </a:r>
+            <a:r>
               <a:rPr lang="ko-KR" altLang="en-US" sz="600" dirty="0">
                 <a:solidFill>
                   <a:sysClr val="windowText" lastClr="000000"/>
@@ -4791,23 +7253,23 @@
       </p:sp>
       <p:cxnSp>
         <p:nvCxnSpPr>
-          <p:cNvPr id="3" name="직선 화살표 연결선 2">
-            <a:extLst>
-              <a:ext uri="{FF2B5EF4-FFF2-40B4-BE49-F238E27FC236}">
-                <a16:creationId xmlns:a16="http://schemas.microsoft.com/office/drawing/2014/main" id="{8CE299F8-6BA5-44CE-9555-7A803C2971E1}"/>
+          <p:cNvPr id="79" name="직선 화살표 연결선 78">
+            <a:extLst>
+              <a:ext uri="{FF2B5EF4-FFF2-40B4-BE49-F238E27FC236}">
+                <a16:creationId xmlns:a16="http://schemas.microsoft.com/office/drawing/2014/main" id="{D810BC76-B0F4-4534-83C8-FEF616D7EBA5}"/>
               </a:ext>
             </a:extLst>
           </p:cNvPr>
           <p:cNvCxnSpPr>
-            <a:stCxn id="4" idx="2"/>
-            <a:endCxn id="5" idx="0"/>
+            <a:stCxn id="66" idx="2"/>
+            <a:endCxn id="57" idx="0"/>
           </p:cNvCxnSpPr>
           <p:nvPr/>
         </p:nvCxnSpPr>
         <p:spPr>
-          <a:xfrm flipH="1">
-            <a:off x="2956553" y="3119113"/>
-            <a:ext cx="1" cy="259913"/>
+          <a:xfrm>
+            <a:off x="4592313" y="2403569"/>
+            <a:ext cx="0" cy="252437"/>
           </a:xfrm>
           <a:prstGeom prst="straightConnector1">
             <a:avLst/>
@@ -4833,23 +7295,23 @@
       </p:cxnSp>
       <p:cxnSp>
         <p:nvCxnSpPr>
-          <p:cNvPr id="11" name="직선 화살표 연결선 10">
-            <a:extLst>
-              <a:ext uri="{FF2B5EF4-FFF2-40B4-BE49-F238E27FC236}">
-                <a16:creationId xmlns:a16="http://schemas.microsoft.com/office/drawing/2014/main" id="{FCA20D93-4BE0-410E-A551-C8284B2DEAFB}"/>
+          <p:cNvPr id="80" name="직선 화살표 연결선 79">
+            <a:extLst>
+              <a:ext uri="{FF2B5EF4-FFF2-40B4-BE49-F238E27FC236}">
+                <a16:creationId xmlns:a16="http://schemas.microsoft.com/office/drawing/2014/main" id="{64D89106-60AC-4B21-B370-17F41927D88F}"/>
               </a:ext>
             </a:extLst>
           </p:cNvPr>
           <p:cNvCxnSpPr>
-            <a:stCxn id="5" idx="2"/>
-            <a:endCxn id="14" idx="0"/>
+            <a:stCxn id="57" idx="2"/>
+            <a:endCxn id="59" idx="0"/>
           </p:cNvCxnSpPr>
           <p:nvPr/>
         </p:nvCxnSpPr>
         <p:spPr>
           <a:xfrm>
-            <a:off x="2956553" y="3556191"/>
-            <a:ext cx="0" cy="385021"/>
+            <a:off x="4592313" y="2833171"/>
+            <a:ext cx="8" cy="209623"/>
           </a:xfrm>
           <a:prstGeom prst="straightConnector1">
             <a:avLst/>
@@ -4875,23 +7337,22 @@
       </p:cxnSp>
       <p:cxnSp>
         <p:nvCxnSpPr>
-          <p:cNvPr id="24" name="직선 화살표 연결선 23">
-            <a:extLst>
-              <a:ext uri="{FF2B5EF4-FFF2-40B4-BE49-F238E27FC236}">
-                <a16:creationId xmlns:a16="http://schemas.microsoft.com/office/drawing/2014/main" id="{3D0C9F35-1FDB-4987-AF97-54DD3E01A3B2}"/>
+          <p:cNvPr id="81" name="직선 화살표 연결선 80">
+            <a:extLst>
+              <a:ext uri="{FF2B5EF4-FFF2-40B4-BE49-F238E27FC236}">
+                <a16:creationId xmlns:a16="http://schemas.microsoft.com/office/drawing/2014/main" id="{5EA4BF97-277B-4FB0-9758-898AF58F6FA6}"/>
               </a:ext>
             </a:extLst>
           </p:cNvPr>
           <p:cNvCxnSpPr>
-            <a:stCxn id="14" idx="2"/>
-            <a:endCxn id="7" idx="0"/>
+            <a:endCxn id="62" idx="0"/>
           </p:cNvCxnSpPr>
           <p:nvPr/>
         </p:nvCxnSpPr>
         <p:spPr>
           <a:xfrm>
-            <a:off x="2956553" y="4118377"/>
-            <a:ext cx="0" cy="252437"/>
+            <a:off x="4592312" y="3209860"/>
+            <a:ext cx="1" cy="274418"/>
           </a:xfrm>
           <a:prstGeom prst="straightConnector1">
             <a:avLst/>
@@ -4917,23 +7378,23 @@
       </p:cxnSp>
       <p:cxnSp>
         <p:nvCxnSpPr>
-          <p:cNvPr id="26" name="직선 화살표 연결선 25">
-            <a:extLst>
-              <a:ext uri="{FF2B5EF4-FFF2-40B4-BE49-F238E27FC236}">
-                <a16:creationId xmlns:a16="http://schemas.microsoft.com/office/drawing/2014/main" id="{9BC5B594-C6B0-4405-BA66-6B8281B33E60}"/>
+          <p:cNvPr id="82" name="직선 화살표 연결선 81">
+            <a:extLst>
+              <a:ext uri="{FF2B5EF4-FFF2-40B4-BE49-F238E27FC236}">
+                <a16:creationId xmlns:a16="http://schemas.microsoft.com/office/drawing/2014/main" id="{8E8C5444-4F1B-4009-B110-76B93E733E16}"/>
               </a:ext>
             </a:extLst>
           </p:cNvPr>
           <p:cNvCxnSpPr>
-            <a:stCxn id="7" idx="2"/>
-            <a:endCxn id="8" idx="0"/>
+            <a:stCxn id="62" idx="2"/>
+            <a:endCxn id="64" idx="0"/>
           </p:cNvCxnSpPr>
           <p:nvPr/>
         </p:nvCxnSpPr>
         <p:spPr>
           <a:xfrm>
-            <a:off x="2956553" y="4547979"/>
-            <a:ext cx="8" cy="209623"/>
+            <a:off x="4592313" y="3712878"/>
+            <a:ext cx="0" cy="331246"/>
           </a:xfrm>
           <a:prstGeom prst="straightConnector1">
             <a:avLst/>
@@ -4959,22 +7420,23 @@
       </p:cxnSp>
       <p:cxnSp>
         <p:nvCxnSpPr>
-          <p:cNvPr id="28" name="직선 화살표 연결선 27">
-            <a:extLst>
-              <a:ext uri="{FF2B5EF4-FFF2-40B4-BE49-F238E27FC236}">
-                <a16:creationId xmlns:a16="http://schemas.microsoft.com/office/drawing/2014/main" id="{2279299A-8144-447B-899B-2C417A90E6F9}"/>
+          <p:cNvPr id="83" name="직선 화살표 연결선 82">
+            <a:extLst>
+              <a:ext uri="{FF2B5EF4-FFF2-40B4-BE49-F238E27FC236}">
+                <a16:creationId xmlns:a16="http://schemas.microsoft.com/office/drawing/2014/main" id="{0E37BF33-1936-4CAF-AB67-0DFDA0981ADF}"/>
               </a:ext>
             </a:extLst>
           </p:cNvPr>
           <p:cNvCxnSpPr>
-            <a:endCxn id="10" idx="0"/>
+            <a:stCxn id="64" idx="2"/>
+            <a:endCxn id="68" idx="0"/>
           </p:cNvCxnSpPr>
           <p:nvPr/>
         </p:nvCxnSpPr>
         <p:spPr>
           <a:xfrm>
-            <a:off x="2956552" y="4924668"/>
-            <a:ext cx="1" cy="274418"/>
+            <a:off x="4592313" y="4272724"/>
+            <a:ext cx="2" cy="291586"/>
           </a:xfrm>
           <a:prstGeom prst="straightConnector1">
             <a:avLst/>
@@ -5000,23 +7462,23 @@
       </p:cxnSp>
       <p:cxnSp>
         <p:nvCxnSpPr>
-          <p:cNvPr id="30" name="직선 화살표 연결선 29">
-            <a:extLst>
-              <a:ext uri="{FF2B5EF4-FFF2-40B4-BE49-F238E27FC236}">
-                <a16:creationId xmlns:a16="http://schemas.microsoft.com/office/drawing/2014/main" id="{D3261034-610B-404A-9C07-C2EB0330EFB1}"/>
+          <p:cNvPr id="84" name="직선 화살표 연결선 83">
+            <a:extLst>
+              <a:ext uri="{FF2B5EF4-FFF2-40B4-BE49-F238E27FC236}">
+                <a16:creationId xmlns:a16="http://schemas.microsoft.com/office/drawing/2014/main" id="{CBF5BA55-4574-4ACD-A416-887467125AD6}"/>
               </a:ext>
             </a:extLst>
           </p:cNvPr>
           <p:cNvCxnSpPr>
-            <a:stCxn id="10" idx="2"/>
-            <a:endCxn id="12" idx="0"/>
+            <a:cxnSpLocks/>
+            <a:stCxn id="62" idx="3"/>
           </p:cNvCxnSpPr>
           <p:nvPr/>
         </p:nvCxnSpPr>
         <p:spPr>
           <a:xfrm>
-            <a:off x="2956553" y="5427686"/>
-            <a:ext cx="0" cy="331246"/>
+            <a:off x="5218105" y="3598578"/>
+            <a:ext cx="312895" cy="7852"/>
           </a:xfrm>
           <a:prstGeom prst="straightConnector1">
             <a:avLst/>
@@ -5042,23 +7504,23 @@
       </p:cxnSp>
       <p:cxnSp>
         <p:nvCxnSpPr>
-          <p:cNvPr id="32" name="직선 화살표 연결선 31">
-            <a:extLst>
-              <a:ext uri="{FF2B5EF4-FFF2-40B4-BE49-F238E27FC236}">
-                <a16:creationId xmlns:a16="http://schemas.microsoft.com/office/drawing/2014/main" id="{D9B11DAA-9047-4FA6-8A2C-391378DBEB9A}"/>
+          <p:cNvPr id="86" name="직선 화살표 연결선 85">
+            <a:extLst>
+              <a:ext uri="{FF2B5EF4-FFF2-40B4-BE49-F238E27FC236}">
+                <a16:creationId xmlns:a16="http://schemas.microsoft.com/office/drawing/2014/main" id="{731851A7-E433-4AF1-8154-2507039B2E29}"/>
               </a:ext>
             </a:extLst>
           </p:cNvPr>
           <p:cNvCxnSpPr>
-            <a:stCxn id="12" idx="2"/>
-            <a:endCxn id="17" idx="0"/>
+            <a:stCxn id="68" idx="2"/>
+            <a:endCxn id="70" idx="0"/>
           </p:cNvCxnSpPr>
           <p:nvPr/>
         </p:nvCxnSpPr>
         <p:spPr>
           <a:xfrm>
-            <a:off x="2956553" y="5987532"/>
-            <a:ext cx="2" cy="291586"/>
+            <a:off x="4592315" y="4792910"/>
+            <a:ext cx="0" cy="360896"/>
           </a:xfrm>
           <a:prstGeom prst="straightConnector1">
             <a:avLst/>
@@ -5084,23 +7546,23 @@
       </p:cxnSp>
       <p:cxnSp>
         <p:nvCxnSpPr>
-          <p:cNvPr id="34" name="직선 화살표 연결선 33">
-            <a:extLst>
-              <a:ext uri="{FF2B5EF4-FFF2-40B4-BE49-F238E27FC236}">
-                <a16:creationId xmlns:a16="http://schemas.microsoft.com/office/drawing/2014/main" id="{372191FC-F1A9-4809-B07F-4BA471E9E1B1}"/>
+          <p:cNvPr id="88" name="직선 화살표 연결선 87">
+            <a:extLst>
+              <a:ext uri="{FF2B5EF4-FFF2-40B4-BE49-F238E27FC236}">
+                <a16:creationId xmlns:a16="http://schemas.microsoft.com/office/drawing/2014/main" id="{0DB72052-A152-4136-95D4-9F86B6AC2D0F}"/>
               </a:ext>
             </a:extLst>
           </p:cNvPr>
           <p:cNvCxnSpPr>
-            <a:stCxn id="10" idx="3"/>
-            <a:endCxn id="9" idx="1"/>
+            <a:stCxn id="70" idx="2"/>
+            <a:endCxn id="72" idx="0"/>
           </p:cNvCxnSpPr>
           <p:nvPr/>
         </p:nvCxnSpPr>
         <p:spPr>
-          <a:xfrm flipV="1">
-            <a:off x="3582345" y="5293989"/>
-            <a:ext cx="448741" cy="19397"/>
+          <a:xfrm>
+            <a:off x="4592315" y="5330971"/>
+            <a:ext cx="1" cy="313372"/>
           </a:xfrm>
           <a:prstGeom prst="straightConnector1">
             <a:avLst/>
@@ -5126,23 +7588,23 @@
       </p:cxnSp>
       <p:cxnSp>
         <p:nvCxnSpPr>
-          <p:cNvPr id="36" name="직선 화살표 연결선 35">
-            <a:extLst>
-              <a:ext uri="{FF2B5EF4-FFF2-40B4-BE49-F238E27FC236}">
-                <a16:creationId xmlns:a16="http://schemas.microsoft.com/office/drawing/2014/main" id="{BE2284E5-3263-46C2-9EE1-9E36AE7ED8F3}"/>
+          <p:cNvPr id="90" name="직선 화살표 연결선 89">
+            <a:extLst>
+              <a:ext uri="{FF2B5EF4-FFF2-40B4-BE49-F238E27FC236}">
+                <a16:creationId xmlns:a16="http://schemas.microsoft.com/office/drawing/2014/main" id="{92723905-0744-4E35-9FF6-DB41686F528F}"/>
               </a:ext>
             </a:extLst>
           </p:cNvPr>
           <p:cNvCxnSpPr>
-            <a:stCxn id="17" idx="2"/>
-            <a:endCxn id="15" idx="0"/>
+            <a:stCxn id="72" idx="2"/>
+            <a:endCxn id="76" idx="0"/>
           </p:cNvCxnSpPr>
           <p:nvPr/>
         </p:nvCxnSpPr>
         <p:spPr>
           <a:xfrm>
-            <a:off x="2956555" y="6507718"/>
-            <a:ext cx="0" cy="360896"/>
+            <a:off x="4592316" y="5872943"/>
+            <a:ext cx="1" cy="264319"/>
           </a:xfrm>
           <a:prstGeom prst="straightConnector1">
             <a:avLst/>
@@ -5168,23 +7630,23 @@
       </p:cxnSp>
       <p:cxnSp>
         <p:nvCxnSpPr>
-          <p:cNvPr id="38" name="직선 화살표 연결선 37">
-            <a:extLst>
-              <a:ext uri="{FF2B5EF4-FFF2-40B4-BE49-F238E27FC236}">
-                <a16:creationId xmlns:a16="http://schemas.microsoft.com/office/drawing/2014/main" id="{86554626-B9F5-4D63-A23B-2B88219DD18A}"/>
+          <p:cNvPr id="91" name="직선 화살표 연결선 90">
+            <a:extLst>
+              <a:ext uri="{FF2B5EF4-FFF2-40B4-BE49-F238E27FC236}">
+                <a16:creationId xmlns:a16="http://schemas.microsoft.com/office/drawing/2014/main" id="{B412F2DC-328F-4F78-B9CD-114A710B11AD}"/>
               </a:ext>
             </a:extLst>
           </p:cNvPr>
           <p:cNvCxnSpPr>
-            <a:stCxn id="15" idx="2"/>
-            <a:endCxn id="18" idx="0"/>
+            <a:stCxn id="64" idx="1"/>
+            <a:endCxn id="65" idx="3"/>
           </p:cNvCxnSpPr>
           <p:nvPr/>
         </p:nvCxnSpPr>
         <p:spPr>
-          <a:xfrm>
-            <a:off x="2956555" y="7045779"/>
-            <a:ext cx="1" cy="313372"/>
+          <a:xfrm flipH="1">
+            <a:off x="3344440" y="4158424"/>
+            <a:ext cx="622080" cy="0"/>
           </a:xfrm>
           <a:prstGeom prst="straightConnector1">
             <a:avLst/>
@@ -5210,23 +7672,23 @@
       </p:cxnSp>
       <p:cxnSp>
         <p:nvCxnSpPr>
-          <p:cNvPr id="40" name="직선 화살표 연결선 39">
-            <a:extLst>
-              <a:ext uri="{FF2B5EF4-FFF2-40B4-BE49-F238E27FC236}">
-                <a16:creationId xmlns:a16="http://schemas.microsoft.com/office/drawing/2014/main" id="{CC904BDD-49B3-4A3F-8F46-A9DA67078579}"/>
+          <p:cNvPr id="92" name="직선 화살표 연결선 91">
+            <a:extLst>
+              <a:ext uri="{FF2B5EF4-FFF2-40B4-BE49-F238E27FC236}">
+                <a16:creationId xmlns:a16="http://schemas.microsoft.com/office/drawing/2014/main" id="{DA0565AB-38C4-47C7-ABC0-989EBCB9625F}"/>
               </a:ext>
             </a:extLst>
           </p:cNvPr>
           <p:cNvCxnSpPr>
-            <a:stCxn id="18" idx="2"/>
-            <a:endCxn id="21" idx="0"/>
+            <a:cxnSpLocks/>
+            <a:stCxn id="68" idx="3"/>
           </p:cNvCxnSpPr>
           <p:nvPr/>
         </p:nvCxnSpPr>
         <p:spPr>
           <a:xfrm>
-            <a:off x="2956556" y="7587751"/>
-            <a:ext cx="1" cy="264319"/>
+            <a:off x="5218107" y="4678610"/>
+            <a:ext cx="312893" cy="8101"/>
           </a:xfrm>
           <a:prstGeom prst="straightConnector1">
             <a:avLst/>
@@ -5252,23 +7714,23 @@
       </p:cxnSp>
       <p:cxnSp>
         <p:nvCxnSpPr>
-          <p:cNvPr id="44" name="직선 화살표 연결선 43">
-            <a:extLst>
-              <a:ext uri="{FF2B5EF4-FFF2-40B4-BE49-F238E27FC236}">
-                <a16:creationId xmlns:a16="http://schemas.microsoft.com/office/drawing/2014/main" id="{31BF6F7E-EA8B-4FBA-A083-C558467B8D8E}"/>
+          <p:cNvPr id="93" name="직선 화살표 연결선 92">
+            <a:extLst>
+              <a:ext uri="{FF2B5EF4-FFF2-40B4-BE49-F238E27FC236}">
+                <a16:creationId xmlns:a16="http://schemas.microsoft.com/office/drawing/2014/main" id="{A8498368-A45A-4BFD-BD80-56B51B178314}"/>
               </a:ext>
             </a:extLst>
           </p:cNvPr>
           <p:cNvCxnSpPr>
-            <a:stCxn id="12" idx="1"/>
-            <a:endCxn id="13" idx="3"/>
+            <a:cxnSpLocks/>
+            <a:stCxn id="72" idx="3"/>
           </p:cNvCxnSpPr>
           <p:nvPr/>
         </p:nvCxnSpPr>
         <p:spPr>
-          <a:xfrm flipH="1">
-            <a:off x="1708680" y="5873232"/>
-            <a:ext cx="622080" cy="0"/>
+          <a:xfrm>
+            <a:off x="5218108" y="5758643"/>
+            <a:ext cx="277148" cy="0"/>
           </a:xfrm>
           <a:prstGeom prst="straightConnector1">
             <a:avLst/>
@@ -5294,23 +7756,61 @@
       </p:cxnSp>
       <p:cxnSp>
         <p:nvCxnSpPr>
-          <p:cNvPr id="46" name="직선 화살표 연결선 45">
-            <a:extLst>
-              <a:ext uri="{FF2B5EF4-FFF2-40B4-BE49-F238E27FC236}">
-                <a16:creationId xmlns:a16="http://schemas.microsoft.com/office/drawing/2014/main" id="{54DBD43F-DB29-49E4-A7CB-9C6558F7E57F}"/>
+          <p:cNvPr id="94" name="직선 연결선 93">
+            <a:extLst>
+              <a:ext uri="{FF2B5EF4-FFF2-40B4-BE49-F238E27FC236}">
+                <a16:creationId xmlns:a16="http://schemas.microsoft.com/office/drawing/2014/main" id="{5750658B-483F-4C67-80B0-48ACC5AF31B7}"/>
               </a:ext>
             </a:extLst>
           </p:cNvPr>
           <p:cNvCxnSpPr>
-            <a:stCxn id="17" idx="3"/>
-            <a:endCxn id="20" idx="1"/>
+            <a:stCxn id="60" idx="2"/>
           </p:cNvCxnSpPr>
           <p:nvPr/>
         </p:nvCxnSpPr>
         <p:spPr>
-          <a:xfrm>
-            <a:off x="3582347" y="6393418"/>
-            <a:ext cx="448738" cy="0"/>
+          <a:xfrm flipH="1">
+            <a:off x="6156791" y="3679984"/>
+            <a:ext cx="2" cy="490660"/>
+          </a:xfrm>
+          <a:prstGeom prst="line">
+            <a:avLst/>
+          </a:prstGeom>
+        </p:spPr>
+        <p:style>
+          <a:lnRef idx="1">
+            <a:schemeClr val="accent1"/>
+          </a:lnRef>
+          <a:fillRef idx="0">
+            <a:schemeClr val="accent1"/>
+          </a:fillRef>
+          <a:effectRef idx="0">
+            <a:schemeClr val="accent1"/>
+          </a:effectRef>
+          <a:fontRef idx="minor">
+            <a:schemeClr val="tx1"/>
+          </a:fontRef>
+        </p:style>
+      </p:cxnSp>
+      <p:cxnSp>
+        <p:nvCxnSpPr>
+          <p:cNvPr id="95" name="직선 화살표 연결선 94">
+            <a:extLst>
+              <a:ext uri="{FF2B5EF4-FFF2-40B4-BE49-F238E27FC236}">
+                <a16:creationId xmlns:a16="http://schemas.microsoft.com/office/drawing/2014/main" id="{E0037CA3-FE2D-4807-ACF8-66F1A79C7FC5}"/>
+              </a:ext>
+            </a:extLst>
+          </p:cNvPr>
+          <p:cNvCxnSpPr>
+            <a:cxnSpLocks/>
+            <a:endCxn id="64" idx="3"/>
+          </p:cNvCxnSpPr>
+          <p:nvPr/>
+        </p:nvCxnSpPr>
+        <p:spPr>
+          <a:xfrm flipH="1" flipV="1">
+            <a:off x="5218105" y="4158424"/>
+            <a:ext cx="938686" cy="10705"/>
           </a:xfrm>
           <a:prstGeom prst="straightConnector1">
             <a:avLst/>
@@ -5336,23 +7836,61 @@
       </p:cxnSp>
       <p:cxnSp>
         <p:nvCxnSpPr>
-          <p:cNvPr id="48" name="직선 화살표 연결선 47">
-            <a:extLst>
-              <a:ext uri="{FF2B5EF4-FFF2-40B4-BE49-F238E27FC236}">
-                <a16:creationId xmlns:a16="http://schemas.microsoft.com/office/drawing/2014/main" id="{06573C3B-F493-4E1F-B868-DA99BBF098CD}"/>
+          <p:cNvPr id="96" name="직선 연결선 95">
+            <a:extLst>
+              <a:ext uri="{FF2B5EF4-FFF2-40B4-BE49-F238E27FC236}">
+                <a16:creationId xmlns:a16="http://schemas.microsoft.com/office/drawing/2014/main" id="{BF18E15A-98A8-4816-A306-3112322B0B99}"/>
               </a:ext>
             </a:extLst>
           </p:cNvPr>
           <p:cNvCxnSpPr>
-            <a:stCxn id="18" idx="3"/>
-            <a:endCxn id="19" idx="1"/>
+            <a:cxnSpLocks/>
           </p:cNvCxnSpPr>
           <p:nvPr/>
         </p:nvCxnSpPr>
         <p:spPr>
+          <a:xfrm>
+            <a:off x="2722867" y="4247006"/>
+            <a:ext cx="0" cy="439705"/>
+          </a:xfrm>
+          <a:prstGeom prst="line">
+            <a:avLst/>
+          </a:prstGeom>
+        </p:spPr>
+        <p:style>
+          <a:lnRef idx="1">
+            <a:schemeClr val="accent1"/>
+          </a:lnRef>
+          <a:fillRef idx="0">
+            <a:schemeClr val="accent1"/>
+          </a:fillRef>
+          <a:effectRef idx="0">
+            <a:schemeClr val="accent1"/>
+          </a:effectRef>
+          <a:fontRef idx="minor">
+            <a:schemeClr val="tx1"/>
+          </a:fontRef>
+        </p:style>
+      </p:cxnSp>
+      <p:cxnSp>
+        <p:nvCxnSpPr>
+          <p:cNvPr id="97" name="직선 화살표 연결선 96">
+            <a:extLst>
+              <a:ext uri="{FF2B5EF4-FFF2-40B4-BE49-F238E27FC236}">
+                <a16:creationId xmlns:a16="http://schemas.microsoft.com/office/drawing/2014/main" id="{32515CC6-E0DA-48E7-8AE4-4493F288D424}"/>
+              </a:ext>
+            </a:extLst>
+          </p:cNvPr>
+          <p:cNvCxnSpPr>
+            <a:cxnSpLocks/>
+            <a:endCxn id="68" idx="1"/>
+          </p:cNvCxnSpPr>
+          <p:nvPr/>
+        </p:nvCxnSpPr>
+        <p:spPr>
           <a:xfrm flipV="1">
-            <a:off x="3582348" y="7468865"/>
-            <a:ext cx="448737" cy="4586"/>
+            <a:off x="2718647" y="4678610"/>
+            <a:ext cx="1247875" cy="21795"/>
           </a:xfrm>
           <a:prstGeom prst="straightConnector1">
             <a:avLst/>
@@ -5378,22 +7916,22 @@
       </p:cxnSp>
       <p:cxnSp>
         <p:nvCxnSpPr>
-          <p:cNvPr id="56" name="직선 연결선 55">
-            <a:extLst>
-              <a:ext uri="{FF2B5EF4-FFF2-40B4-BE49-F238E27FC236}">
-                <a16:creationId xmlns:a16="http://schemas.microsoft.com/office/drawing/2014/main" id="{5330865B-F642-4AE8-9C65-C6FA02AF287F}"/>
+          <p:cNvPr id="98" name="직선 연결선 97">
+            <a:extLst>
+              <a:ext uri="{FF2B5EF4-FFF2-40B4-BE49-F238E27FC236}">
+                <a16:creationId xmlns:a16="http://schemas.microsoft.com/office/drawing/2014/main" id="{073347F9-CA08-4DC1-A9A7-D8511F7B29A0}"/>
               </a:ext>
             </a:extLst>
           </p:cNvPr>
           <p:cNvCxnSpPr>
-            <a:stCxn id="9" idx="2"/>
+            <a:stCxn id="73" idx="2"/>
           </p:cNvCxnSpPr>
           <p:nvPr/>
         </p:nvCxnSpPr>
         <p:spPr>
           <a:xfrm flipH="1">
-            <a:off x="4656877" y="5382571"/>
-            <a:ext cx="2" cy="490660"/>
+            <a:off x="6121048" y="5847225"/>
+            <a:ext cx="1" cy="383205"/>
           </a:xfrm>
           <a:prstGeom prst="line">
             <a:avLst/>
@@ -5416,22 +7954,23 @@
       </p:cxnSp>
       <p:cxnSp>
         <p:nvCxnSpPr>
-          <p:cNvPr id="58" name="직선 화살표 연결선 57">
-            <a:extLst>
-              <a:ext uri="{FF2B5EF4-FFF2-40B4-BE49-F238E27FC236}">
-                <a16:creationId xmlns:a16="http://schemas.microsoft.com/office/drawing/2014/main" id="{466904C4-EEA2-4202-B9A5-F9624028F5EB}"/>
+          <p:cNvPr id="99" name="직선 화살표 연결선 98">
+            <a:extLst>
+              <a:ext uri="{FF2B5EF4-FFF2-40B4-BE49-F238E27FC236}">
+                <a16:creationId xmlns:a16="http://schemas.microsoft.com/office/drawing/2014/main" id="{A7ECFD22-6411-4EBA-B0DF-045A91FC267B}"/>
               </a:ext>
             </a:extLst>
           </p:cNvPr>
           <p:cNvCxnSpPr>
-            <a:endCxn id="12" idx="3"/>
+            <a:cxnSpLocks/>
+            <a:endCxn id="76" idx="3"/>
           </p:cNvCxnSpPr>
           <p:nvPr/>
         </p:nvCxnSpPr>
         <p:spPr>
-          <a:xfrm flipH="1">
-            <a:off x="3582345" y="5873231"/>
-            <a:ext cx="1074532" cy="1"/>
+          <a:xfrm flipH="1" flipV="1">
+            <a:off x="5218109" y="6225845"/>
+            <a:ext cx="902939" cy="17359"/>
           </a:xfrm>
           <a:prstGeom prst="straightConnector1">
             <a:avLst/>
@@ -5457,10 +7996,10 @@
       </p:cxnSp>
       <p:cxnSp>
         <p:nvCxnSpPr>
-          <p:cNvPr id="61" name="직선 연결선 60">
-            <a:extLst>
-              <a:ext uri="{FF2B5EF4-FFF2-40B4-BE49-F238E27FC236}">
-                <a16:creationId xmlns:a16="http://schemas.microsoft.com/office/drawing/2014/main" id="{D702ADD0-D82F-418F-A5EE-9D88E4999CB0}"/>
+          <p:cNvPr id="101" name="직선 연결선 100">
+            <a:extLst>
+              <a:ext uri="{FF2B5EF4-FFF2-40B4-BE49-F238E27FC236}">
+                <a16:creationId xmlns:a16="http://schemas.microsoft.com/office/drawing/2014/main" id="{8BB20B34-841F-4E1A-B576-948FA5D4B693}"/>
               </a:ext>
             </a:extLst>
           </p:cNvPr>
@@ -5471,8 +8010,8 @@
         </p:nvCxnSpPr>
         <p:spPr>
           <a:xfrm>
-            <a:off x="1087107" y="5961814"/>
-            <a:ext cx="0" cy="439705"/>
+            <a:off x="6181839" y="4792910"/>
+            <a:ext cx="0" cy="1931466"/>
           </a:xfrm>
           <a:prstGeom prst="line">
             <a:avLst/>
@@ -5495,23 +8034,23 @@
       </p:cxnSp>
       <p:cxnSp>
         <p:nvCxnSpPr>
-          <p:cNvPr id="63" name="직선 화살표 연결선 62">
-            <a:extLst>
-              <a:ext uri="{FF2B5EF4-FFF2-40B4-BE49-F238E27FC236}">
-                <a16:creationId xmlns:a16="http://schemas.microsoft.com/office/drawing/2014/main" id="{6882CB6D-72B6-4F9F-919C-5BB5412A8A17}"/>
+          <p:cNvPr id="102" name="직선 화살표 연결선 101">
+            <a:extLst>
+              <a:ext uri="{FF2B5EF4-FFF2-40B4-BE49-F238E27FC236}">
+                <a16:creationId xmlns:a16="http://schemas.microsoft.com/office/drawing/2014/main" id="{B7E10F90-1701-492A-9A24-1BC25F3C7A46}"/>
               </a:ext>
             </a:extLst>
           </p:cNvPr>
           <p:cNvCxnSpPr>
             <a:cxnSpLocks/>
-            <a:endCxn id="17" idx="1"/>
+            <a:endCxn id="77" idx="3"/>
           </p:cNvCxnSpPr>
           <p:nvPr/>
         </p:nvCxnSpPr>
         <p:spPr>
-          <a:xfrm flipV="1">
-            <a:off x="1082887" y="6393418"/>
-            <a:ext cx="1247875" cy="21795"/>
+          <a:xfrm flipH="1">
+            <a:off x="5218109" y="6710405"/>
+            <a:ext cx="963730" cy="4585"/>
           </a:xfrm>
           <a:prstGeom prst="straightConnector1">
             <a:avLst/>
@@ -5537,22 +8076,23 @@
       </p:cxnSp>
       <p:cxnSp>
         <p:nvCxnSpPr>
-          <p:cNvPr id="67" name="직선 연결선 66">
-            <a:extLst>
-              <a:ext uri="{FF2B5EF4-FFF2-40B4-BE49-F238E27FC236}">
-                <a16:creationId xmlns:a16="http://schemas.microsoft.com/office/drawing/2014/main" id="{4DE9B582-35AD-43B9-96E5-9A1E0530FA7C}"/>
+          <p:cNvPr id="103" name="직선 연결선 102">
+            <a:extLst>
+              <a:ext uri="{FF2B5EF4-FFF2-40B4-BE49-F238E27FC236}">
+                <a16:creationId xmlns:a16="http://schemas.microsoft.com/office/drawing/2014/main" id="{0019B199-BEBB-4CEE-8CA7-C8A62BC349E9}"/>
               </a:ext>
             </a:extLst>
           </p:cNvPr>
           <p:cNvCxnSpPr>
-            <a:stCxn id="19" idx="2"/>
+            <a:cxnSpLocks/>
+            <a:stCxn id="72" idx="1"/>
           </p:cNvCxnSpPr>
           <p:nvPr/>
         </p:nvCxnSpPr>
         <p:spPr>
-          <a:xfrm flipH="1">
-            <a:off x="4656877" y="7557447"/>
-            <a:ext cx="1" cy="383205"/>
+          <a:xfrm flipH="1" flipV="1">
+            <a:off x="3562766" y="5747814"/>
+            <a:ext cx="403757" cy="10829"/>
           </a:xfrm>
           <a:prstGeom prst="line">
             <a:avLst/>
@@ -5575,22 +8115,59 @@
       </p:cxnSp>
       <p:cxnSp>
         <p:nvCxnSpPr>
-          <p:cNvPr id="69" name="직선 화살표 연결선 68">
-            <a:extLst>
-              <a:ext uri="{FF2B5EF4-FFF2-40B4-BE49-F238E27FC236}">
-                <a16:creationId xmlns:a16="http://schemas.microsoft.com/office/drawing/2014/main" id="{C44D2441-7645-44E1-A2C0-E2FDE30CD8D4}"/>
+          <p:cNvPr id="104" name="직선 연결선 103">
+            <a:extLst>
+              <a:ext uri="{FF2B5EF4-FFF2-40B4-BE49-F238E27FC236}">
+                <a16:creationId xmlns:a16="http://schemas.microsoft.com/office/drawing/2014/main" id="{F66D2D6C-3249-43E8-A1B5-70A789B550D3}"/>
+              </a:ext>
+            </a:extLst>
+          </p:cNvPr>
+          <p:cNvCxnSpPr/>
+          <p:nvPr/>
+        </p:nvCxnSpPr>
+        <p:spPr>
+          <a:xfrm flipV="1">
+            <a:off x="3562766" y="2320170"/>
+            <a:ext cx="0" cy="3447908"/>
+          </a:xfrm>
+          <a:prstGeom prst="line">
+            <a:avLst/>
+          </a:prstGeom>
+        </p:spPr>
+        <p:style>
+          <a:lnRef idx="1">
+            <a:schemeClr val="accent1"/>
+          </a:lnRef>
+          <a:fillRef idx="0">
+            <a:schemeClr val="accent1"/>
+          </a:fillRef>
+          <a:effectRef idx="0">
+            <a:schemeClr val="accent1"/>
+          </a:effectRef>
+          <a:fontRef idx="minor">
+            <a:schemeClr val="tx1"/>
+          </a:fontRef>
+        </p:style>
+      </p:cxnSp>
+      <p:cxnSp>
+        <p:nvCxnSpPr>
+          <p:cNvPr id="105" name="직선 화살표 연결선 104">
+            <a:extLst>
+              <a:ext uri="{FF2B5EF4-FFF2-40B4-BE49-F238E27FC236}">
+                <a16:creationId xmlns:a16="http://schemas.microsoft.com/office/drawing/2014/main" id="{0F5C6DC4-1065-495D-894A-E0D87792B9A7}"/>
               </a:ext>
             </a:extLst>
           </p:cNvPr>
           <p:cNvCxnSpPr>
-            <a:endCxn id="21" idx="3"/>
+            <a:cxnSpLocks/>
+            <a:endCxn id="66" idx="1"/>
           </p:cNvCxnSpPr>
           <p:nvPr/>
         </p:nvCxnSpPr>
         <p:spPr>
-          <a:xfrm flipH="1">
-            <a:off x="3582349" y="7940652"/>
-            <a:ext cx="1083205" cy="1"/>
+          <a:xfrm flipV="1">
+            <a:off x="3562766" y="2314987"/>
+            <a:ext cx="403754" cy="13293"/>
           </a:xfrm>
           <a:prstGeom prst="straightConnector1">
             <a:avLst/>
@@ -5614,24 +8191,175 @@
           </a:fontRef>
         </p:style>
       </p:cxnSp>
+      <p:sp>
+        <p:nvSpPr>
+          <p:cNvPr id="107" name="순서도: 처리 106">
+            <a:extLst>
+              <a:ext uri="{FF2B5EF4-FFF2-40B4-BE49-F238E27FC236}">
+                <a16:creationId xmlns:a16="http://schemas.microsoft.com/office/drawing/2014/main" id="{3DDE3A40-E824-48F9-85D6-B4185D0FB839}"/>
+              </a:ext>
+            </a:extLst>
+          </p:cNvPr>
+          <p:cNvSpPr/>
+          <p:nvPr/>
+        </p:nvSpPr>
+        <p:spPr>
+          <a:xfrm>
+            <a:off x="3966519" y="1751209"/>
+            <a:ext cx="1251585" cy="177165"/>
+          </a:xfrm>
+          <a:prstGeom prst="flowChartProcess">
+            <a:avLst/>
+          </a:prstGeom>
+          <a:solidFill>
+            <a:schemeClr val="bg1"/>
+          </a:solidFill>
+        </p:spPr>
+        <p:style>
+          <a:lnRef idx="2">
+            <a:schemeClr val="accent1">
+              <a:shade val="50000"/>
+            </a:schemeClr>
+          </a:lnRef>
+          <a:fillRef idx="1">
+            <a:schemeClr val="accent1"/>
+          </a:fillRef>
+          <a:effectRef idx="0">
+            <a:schemeClr val="accent1"/>
+          </a:effectRef>
+          <a:fontRef idx="minor">
+            <a:schemeClr val="lt1"/>
+          </a:fontRef>
+        </p:style>
+        <p:txBody>
+          <a:bodyPr rot="0" spcFirstLastPara="0" vertOverflow="overflow" horzOverflow="overflow" vert="horz" wrap="square" lIns="51435" tIns="25718" rIns="51435" bIns="25718" numCol="1" spcCol="0" rtlCol="0" fromWordArt="0" anchor="ctr" anchorCtr="0" forceAA="0" compatLnSpc="1">
+            <a:prstTxWarp prst="textNoShape">
+              <a:avLst/>
+            </a:prstTxWarp>
+            <a:noAutofit/>
+          </a:bodyPr>
+          <a:lstStyle/>
+          <a:p>
+            <a:pPr algn="ctr"/>
+            <a:r>
+              <a:rPr lang="ko-KR" altLang="en-US" sz="600" dirty="0">
+                <a:solidFill>
+                  <a:sysClr val="windowText" lastClr="000000"/>
+                </a:solidFill>
+              </a:rPr>
+              <a:t>시간 기록 시작</a:t>
+            </a:r>
+          </a:p>
+        </p:txBody>
+      </p:sp>
+      <p:sp>
+        <p:nvSpPr>
+          <p:cNvPr id="111" name="순서도: 처리 110">
+            <a:extLst>
+              <a:ext uri="{FF2B5EF4-FFF2-40B4-BE49-F238E27FC236}">
+                <a16:creationId xmlns:a16="http://schemas.microsoft.com/office/drawing/2014/main" id="{6EAD1ED5-8495-49BE-9A47-514C997376C8}"/>
+              </a:ext>
+            </a:extLst>
+          </p:cNvPr>
+          <p:cNvSpPr/>
+          <p:nvPr/>
+        </p:nvSpPr>
+        <p:spPr>
+          <a:xfrm>
+            <a:off x="495928" y="4096117"/>
+            <a:ext cx="1251585" cy="177165"/>
+          </a:xfrm>
+          <a:prstGeom prst="flowChartProcess">
+            <a:avLst/>
+          </a:prstGeom>
+          <a:solidFill>
+            <a:schemeClr val="bg1"/>
+          </a:solidFill>
+        </p:spPr>
+        <p:style>
+          <a:lnRef idx="2">
+            <a:schemeClr val="accent1">
+              <a:shade val="50000"/>
+            </a:schemeClr>
+          </a:lnRef>
+          <a:fillRef idx="1">
+            <a:schemeClr val="accent1"/>
+          </a:fillRef>
+          <a:effectRef idx="0">
+            <a:schemeClr val="accent1"/>
+          </a:effectRef>
+          <a:fontRef idx="minor">
+            <a:schemeClr val="lt1"/>
+          </a:fontRef>
+        </p:style>
+        <p:txBody>
+          <a:bodyPr rot="0" spcFirstLastPara="0" vertOverflow="overflow" horzOverflow="overflow" vert="horz" wrap="square" lIns="51435" tIns="25718" rIns="51435" bIns="25718" numCol="1" spcCol="0" rtlCol="0" fromWordArt="0" anchor="ctr" anchorCtr="0" forceAA="0" compatLnSpc="1">
+            <a:prstTxWarp prst="textNoShape">
+              <a:avLst/>
+            </a:prstTxWarp>
+            <a:noAutofit/>
+          </a:bodyPr>
+          <a:lstStyle/>
+          <a:p>
+            <a:pPr algn="ctr"/>
+            <a:r>
+              <a:rPr lang="ko-KR" altLang="en-US" sz="600" dirty="0">
+                <a:solidFill>
+                  <a:sysClr val="windowText" lastClr="000000"/>
+                </a:solidFill>
+              </a:rPr>
+              <a:t>생성된  </a:t>
+            </a:r>
+            <a:r>
+              <a:rPr lang="en-US" altLang="ko-KR" sz="600" dirty="0">
+                <a:solidFill>
+                  <a:sysClr val="windowText" lastClr="000000"/>
+                </a:solidFill>
+              </a:rPr>
+              <a:t>process </a:t>
+            </a:r>
+            <a:r>
+              <a:rPr lang="ko-KR" altLang="en-US" sz="600" dirty="0">
+                <a:solidFill>
+                  <a:sysClr val="windowText" lastClr="000000"/>
+                </a:solidFill>
+              </a:rPr>
+              <a:t>개수 </a:t>
+            </a:r>
+            <a:r>
+              <a:rPr lang="en-US" altLang="ko-KR" sz="600" dirty="0">
+                <a:solidFill>
+                  <a:sysClr val="windowText" lastClr="000000"/>
+                </a:solidFill>
+              </a:rPr>
+              <a:t>count</a:t>
+            </a:r>
+            <a:endParaRPr lang="ko-KR" altLang="en-US" sz="600" dirty="0">
+              <a:solidFill>
+                <a:sysClr val="windowText" lastClr="000000"/>
+              </a:solidFill>
+            </a:endParaRPr>
+          </a:p>
+        </p:txBody>
+      </p:sp>
       <p:cxnSp>
         <p:nvCxnSpPr>
-          <p:cNvPr id="71" name="직선 연결선 70">
-            <a:extLst>
-              <a:ext uri="{FF2B5EF4-FFF2-40B4-BE49-F238E27FC236}">
-                <a16:creationId xmlns:a16="http://schemas.microsoft.com/office/drawing/2014/main" id="{C6046411-3312-43A4-940E-D69F12454F9A}"/>
+          <p:cNvPr id="112" name="직선 연결선 111">
+            <a:extLst>
+              <a:ext uri="{FF2B5EF4-FFF2-40B4-BE49-F238E27FC236}">
+                <a16:creationId xmlns:a16="http://schemas.microsoft.com/office/drawing/2014/main" id="{99F184D3-323F-4CA6-B8DA-60316C792BE0}"/>
               </a:ext>
             </a:extLst>
           </p:cNvPr>
           <p:cNvCxnSpPr>
-            <a:stCxn id="20" idx="3"/>
+            <a:cxnSpLocks/>
           </p:cNvCxnSpPr>
           <p:nvPr/>
         </p:nvCxnSpPr>
         <p:spPr>
-          <a:xfrm flipV="1">
-            <a:off x="5282670" y="6393417"/>
-            <a:ext cx="389997" cy="1"/>
+          <a:xfrm flipH="1" flipV="1">
+            <a:off x="1950720" y="6713547"/>
+            <a:ext cx="2015806" cy="10833"/>
           </a:xfrm>
           <a:prstGeom prst="line">
             <a:avLst/>
@@ -5654,10 +8382,48 @@
       </p:cxnSp>
       <p:cxnSp>
         <p:nvCxnSpPr>
-          <p:cNvPr id="75" name="직선 연결선 74">
-            <a:extLst>
-              <a:ext uri="{FF2B5EF4-FFF2-40B4-BE49-F238E27FC236}">
-                <a16:creationId xmlns:a16="http://schemas.microsoft.com/office/drawing/2014/main" id="{83627B46-0EAE-43BC-B058-FABAFD7B8369}"/>
+          <p:cNvPr id="117" name="직선 연결선 116">
+            <a:extLst>
+              <a:ext uri="{FF2B5EF4-FFF2-40B4-BE49-F238E27FC236}">
+                <a16:creationId xmlns:a16="http://schemas.microsoft.com/office/drawing/2014/main" id="{03E6B638-674A-4334-AFEB-589EDD0191EB}"/>
+              </a:ext>
+            </a:extLst>
+          </p:cNvPr>
+          <p:cNvCxnSpPr>
+            <a:stCxn id="7" idx="3"/>
+          </p:cNvCxnSpPr>
+          <p:nvPr/>
+        </p:nvCxnSpPr>
+        <p:spPr>
+          <a:xfrm>
+            <a:off x="1720525" y="3308513"/>
+            <a:ext cx="1170952" cy="25746"/>
+          </a:xfrm>
+          <a:prstGeom prst="line">
+            <a:avLst/>
+          </a:prstGeom>
+        </p:spPr>
+        <p:style>
+          <a:lnRef idx="1">
+            <a:schemeClr val="accent1"/>
+          </a:lnRef>
+          <a:fillRef idx="0">
+            <a:schemeClr val="accent1"/>
+          </a:fillRef>
+          <a:effectRef idx="0">
+            <a:schemeClr val="accent1"/>
+          </a:effectRef>
+          <a:fontRef idx="minor">
+            <a:schemeClr val="tx1"/>
+          </a:fontRef>
+        </p:style>
+      </p:cxnSp>
+      <p:cxnSp>
+        <p:nvCxnSpPr>
+          <p:cNvPr id="119" name="직선 연결선 118">
+            <a:extLst>
+              <a:ext uri="{FF2B5EF4-FFF2-40B4-BE49-F238E27FC236}">
+                <a16:creationId xmlns:a16="http://schemas.microsoft.com/office/drawing/2014/main" id="{463D1FA2-1221-4B66-A323-812EDE70DBFF}"/>
               </a:ext>
             </a:extLst>
           </p:cNvPr>
@@ -5667,9 +8433,9 @@
           <p:nvPr/>
         </p:nvCxnSpPr>
         <p:spPr>
-          <a:xfrm>
-            <a:off x="5672667" y="6393417"/>
-            <a:ext cx="0" cy="2036381"/>
+          <a:xfrm flipV="1">
+            <a:off x="2891477" y="1839792"/>
+            <a:ext cx="0" cy="1494467"/>
           </a:xfrm>
           <a:prstGeom prst="line">
             <a:avLst/>
@@ -5692,23 +8458,23 @@
       </p:cxnSp>
       <p:cxnSp>
         <p:nvCxnSpPr>
-          <p:cNvPr id="78" name="직선 화살표 연결선 77">
-            <a:extLst>
-              <a:ext uri="{FF2B5EF4-FFF2-40B4-BE49-F238E27FC236}">
-                <a16:creationId xmlns:a16="http://schemas.microsoft.com/office/drawing/2014/main" id="{D216F001-4C98-444D-BF41-55DB7110ADB5}"/>
+          <p:cNvPr id="124" name="직선 화살표 연결선 123">
+            <a:extLst>
+              <a:ext uri="{FF2B5EF4-FFF2-40B4-BE49-F238E27FC236}">
+                <a16:creationId xmlns:a16="http://schemas.microsoft.com/office/drawing/2014/main" id="{BFFEA2F9-451F-4504-969C-29EF51BC0598}"/>
               </a:ext>
             </a:extLst>
           </p:cNvPr>
           <p:cNvCxnSpPr>
             <a:cxnSpLocks/>
-            <a:endCxn id="22" idx="3"/>
+            <a:endCxn id="107" idx="1"/>
           </p:cNvCxnSpPr>
           <p:nvPr/>
         </p:nvCxnSpPr>
         <p:spPr>
-          <a:xfrm flipH="1" flipV="1">
-            <a:off x="3582349" y="8429798"/>
-            <a:ext cx="2090318" cy="9386"/>
+          <a:xfrm flipV="1">
+            <a:off x="2891477" y="1839792"/>
+            <a:ext cx="1075042" cy="5187"/>
           </a:xfrm>
           <a:prstGeom prst="straightConnector1">
             <a:avLst/>
@@ -5734,22 +8500,22 @@
       </p:cxnSp>
       <p:cxnSp>
         <p:nvCxnSpPr>
-          <p:cNvPr id="85" name="직선 연결선 84">
-            <a:extLst>
-              <a:ext uri="{FF2B5EF4-FFF2-40B4-BE49-F238E27FC236}">
-                <a16:creationId xmlns:a16="http://schemas.microsoft.com/office/drawing/2014/main" id="{2C85F8BA-66E2-4D50-A765-33F4F3E32F46}"/>
+          <p:cNvPr id="130" name="직선 연결선 129">
+            <a:extLst>
+              <a:ext uri="{FF2B5EF4-FFF2-40B4-BE49-F238E27FC236}">
+                <a16:creationId xmlns:a16="http://schemas.microsoft.com/office/drawing/2014/main" id="{E4219548-6182-46E4-B5C4-86FFD9E999F7}"/>
               </a:ext>
             </a:extLst>
           </p:cNvPr>
           <p:cNvCxnSpPr>
-            <a:stCxn id="18" idx="1"/>
+            <a:cxnSpLocks/>
           </p:cNvCxnSpPr>
           <p:nvPr/>
         </p:nvCxnSpPr>
         <p:spPr>
-          <a:xfrm flipH="1">
-            <a:off x="240446" y="7473451"/>
-            <a:ext cx="2090317" cy="8503"/>
+          <a:xfrm>
+            <a:off x="1933503" y="3790161"/>
+            <a:ext cx="17217" cy="2934215"/>
           </a:xfrm>
           <a:prstGeom prst="line">
             <a:avLst/>
@@ -5772,20 +8538,133 @@
       </p:cxnSp>
       <p:cxnSp>
         <p:nvCxnSpPr>
-          <p:cNvPr id="87" name="직선 연결선 86">
-            <a:extLst>
-              <a:ext uri="{FF2B5EF4-FFF2-40B4-BE49-F238E27FC236}">
-                <a16:creationId xmlns:a16="http://schemas.microsoft.com/office/drawing/2014/main" id="{90877E40-38DC-433D-833E-0AA3E9980F9B}"/>
-              </a:ext>
-            </a:extLst>
-          </p:cNvPr>
-          <p:cNvCxnSpPr/>
+          <p:cNvPr id="136" name="직선 화살표 연결선 135">
+            <a:extLst>
+              <a:ext uri="{FF2B5EF4-FFF2-40B4-BE49-F238E27FC236}">
+                <a16:creationId xmlns:a16="http://schemas.microsoft.com/office/drawing/2014/main" id="{0B3042BE-FF5A-4BB9-BEE0-9E6E26F2FAAE}"/>
+              </a:ext>
+            </a:extLst>
+          </p:cNvPr>
+          <p:cNvCxnSpPr>
+            <a:cxnSpLocks/>
+            <a:endCxn id="8" idx="3"/>
+          </p:cNvCxnSpPr>
           <p:nvPr/>
         </p:nvCxnSpPr>
         <p:spPr>
-          <a:xfrm flipV="1">
-            <a:off x="240446" y="4029794"/>
-            <a:ext cx="0" cy="3447908"/>
+          <a:xfrm flipH="1" flipV="1">
+            <a:off x="1720525" y="3778814"/>
+            <a:ext cx="212978" cy="22694"/>
+          </a:xfrm>
+          <a:prstGeom prst="straightConnector1">
+            <a:avLst/>
+          </a:prstGeom>
+          <a:ln>
+            <a:tailEnd type="triangle"/>
+          </a:ln>
+        </p:spPr>
+        <p:style>
+          <a:lnRef idx="1">
+            <a:schemeClr val="accent1"/>
+          </a:lnRef>
+          <a:fillRef idx="0">
+            <a:schemeClr val="accent1"/>
+          </a:fillRef>
+          <a:effectRef idx="0">
+            <a:schemeClr val="accent1"/>
+          </a:effectRef>
+          <a:fontRef idx="minor">
+            <a:schemeClr val="tx1"/>
+          </a:fontRef>
+        </p:style>
+      </p:cxnSp>
+      <p:sp>
+        <p:nvSpPr>
+          <p:cNvPr id="146" name="순서도: 처리 145">
+            <a:extLst>
+              <a:ext uri="{FF2B5EF4-FFF2-40B4-BE49-F238E27FC236}">
+                <a16:creationId xmlns:a16="http://schemas.microsoft.com/office/drawing/2014/main" id="{288D7D17-5D1C-4315-85A7-C21A9615F101}"/>
+              </a:ext>
+            </a:extLst>
+          </p:cNvPr>
+          <p:cNvSpPr/>
+          <p:nvPr/>
+        </p:nvSpPr>
+        <p:spPr>
+          <a:xfrm>
+            <a:off x="498666" y="4512810"/>
+            <a:ext cx="1251585" cy="177165"/>
+          </a:xfrm>
+          <a:prstGeom prst="flowChartProcess">
+            <a:avLst/>
+          </a:prstGeom>
+          <a:solidFill>
+            <a:schemeClr val="bg1"/>
+          </a:solidFill>
+        </p:spPr>
+        <p:style>
+          <a:lnRef idx="2">
+            <a:schemeClr val="accent1">
+              <a:shade val="50000"/>
+            </a:schemeClr>
+          </a:lnRef>
+          <a:fillRef idx="1">
+            <a:schemeClr val="accent1"/>
+          </a:fillRef>
+          <a:effectRef idx="0">
+            <a:schemeClr val="accent1"/>
+          </a:effectRef>
+          <a:fontRef idx="minor">
+            <a:schemeClr val="lt1"/>
+          </a:fontRef>
+        </p:style>
+        <p:txBody>
+          <a:bodyPr rot="0" spcFirstLastPara="0" vertOverflow="overflow" horzOverflow="overflow" vert="horz" wrap="square" lIns="51435" tIns="25718" rIns="51435" bIns="25718" numCol="1" spcCol="0" rtlCol="0" fromWordArt="0" anchor="ctr" anchorCtr="0" forceAA="0" compatLnSpc="1">
+            <a:prstTxWarp prst="textNoShape">
+              <a:avLst/>
+            </a:prstTxWarp>
+            <a:noAutofit/>
+          </a:bodyPr>
+          <a:lstStyle/>
+          <a:p>
+            <a:pPr algn="ctr"/>
+            <a:r>
+              <a:rPr lang="en-US" altLang="ko-KR" sz="600" dirty="0">
+                <a:solidFill>
+                  <a:sysClr val="windowText" lastClr="000000"/>
+                </a:solidFill>
+              </a:rPr>
+              <a:t>Parent process </a:t>
+            </a:r>
+            <a:r>
+              <a:rPr lang="ko-KR" altLang="en-US" sz="600" dirty="0">
+                <a:solidFill>
+                  <a:sysClr val="windowText" lastClr="000000"/>
+                </a:solidFill>
+              </a:rPr>
+              <a:t>실행</a:t>
+            </a:r>
+          </a:p>
+        </p:txBody>
+      </p:sp>
+      <p:cxnSp>
+        <p:nvCxnSpPr>
+          <p:cNvPr id="148" name="직선 연결선 147">
+            <a:extLst>
+              <a:ext uri="{FF2B5EF4-FFF2-40B4-BE49-F238E27FC236}">
+                <a16:creationId xmlns:a16="http://schemas.microsoft.com/office/drawing/2014/main" id="{48771A32-FEBB-4FB0-A119-7985ED5458E5}"/>
+              </a:ext>
+            </a:extLst>
+          </p:cNvPr>
+          <p:cNvCxnSpPr>
+            <a:stCxn id="47" idx="1"/>
+          </p:cNvCxnSpPr>
+          <p:nvPr/>
+        </p:nvCxnSpPr>
+        <p:spPr>
+          <a:xfrm flipH="1">
+            <a:off x="142240" y="2772307"/>
+            <a:ext cx="326700" cy="0"/>
           </a:xfrm>
           <a:prstGeom prst="line">
             <a:avLst/>
@@ -5808,22 +8687,122 @@
       </p:cxnSp>
       <p:cxnSp>
         <p:nvCxnSpPr>
-          <p:cNvPr id="89" name="직선 화살표 연결선 88">
-            <a:extLst>
-              <a:ext uri="{FF2B5EF4-FFF2-40B4-BE49-F238E27FC236}">
-                <a16:creationId xmlns:a16="http://schemas.microsoft.com/office/drawing/2014/main" id="{5653DB40-6869-411D-B6EF-05F6F29881B0}"/>
+          <p:cNvPr id="150" name="직선 연결선 149">
+            <a:extLst>
+              <a:ext uri="{FF2B5EF4-FFF2-40B4-BE49-F238E27FC236}">
+                <a16:creationId xmlns:a16="http://schemas.microsoft.com/office/drawing/2014/main" id="{57877A79-B1BE-4DE8-BD7C-66D0AFCB37C9}"/>
               </a:ext>
             </a:extLst>
           </p:cNvPr>
           <p:cNvCxnSpPr>
-            <a:endCxn id="14" idx="1"/>
+            <a:cxnSpLocks/>
           </p:cNvCxnSpPr>
           <p:nvPr/>
         </p:nvCxnSpPr>
         <p:spPr>
           <a:xfrm>
-            <a:off x="240446" y="4029794"/>
-            <a:ext cx="2090314" cy="1"/>
+            <a:off x="121920" y="2744588"/>
+            <a:ext cx="0" cy="2714988"/>
+          </a:xfrm>
+          <a:prstGeom prst="line">
+            <a:avLst/>
+          </a:prstGeom>
+        </p:spPr>
+        <p:style>
+          <a:lnRef idx="1">
+            <a:schemeClr val="accent1"/>
+          </a:lnRef>
+          <a:fillRef idx="0">
+            <a:schemeClr val="accent1"/>
+          </a:fillRef>
+          <a:effectRef idx="0">
+            <a:schemeClr val="accent1"/>
+          </a:effectRef>
+          <a:fontRef idx="minor">
+            <a:schemeClr val="tx1"/>
+          </a:fontRef>
+        </p:style>
+      </p:cxnSp>
+      <p:sp>
+        <p:nvSpPr>
+          <p:cNvPr id="153" name="순서도: 수행의 시작/종료 152">
+            <a:extLst>
+              <a:ext uri="{FF2B5EF4-FFF2-40B4-BE49-F238E27FC236}">
+                <a16:creationId xmlns:a16="http://schemas.microsoft.com/office/drawing/2014/main" id="{3D86FF16-C326-4872-B6AC-7C09FC1B348A}"/>
+              </a:ext>
+            </a:extLst>
+          </p:cNvPr>
+          <p:cNvSpPr/>
+          <p:nvPr/>
+        </p:nvSpPr>
+        <p:spPr>
+          <a:xfrm>
+            <a:off x="501688" y="5330971"/>
+            <a:ext cx="1251585" cy="201050"/>
+          </a:xfrm>
+          <a:prstGeom prst="flowChartTerminator">
+            <a:avLst/>
+          </a:prstGeom>
+          <a:solidFill>
+            <a:schemeClr val="bg1"/>
+          </a:solidFill>
+        </p:spPr>
+        <p:style>
+          <a:lnRef idx="2">
+            <a:schemeClr val="accent1">
+              <a:shade val="50000"/>
+            </a:schemeClr>
+          </a:lnRef>
+          <a:fillRef idx="1">
+            <a:schemeClr val="accent1"/>
+          </a:fillRef>
+          <a:effectRef idx="0">
+            <a:schemeClr val="accent1"/>
+          </a:effectRef>
+          <a:fontRef idx="minor">
+            <a:schemeClr val="lt1"/>
+          </a:fontRef>
+        </p:style>
+        <p:txBody>
+          <a:bodyPr rot="0" spcFirstLastPara="0" vertOverflow="overflow" horzOverflow="overflow" vert="horz" wrap="square" lIns="51435" tIns="25718" rIns="51435" bIns="25718" numCol="1" spcCol="0" rtlCol="0" fromWordArt="0" anchor="ctr" anchorCtr="0" forceAA="0" compatLnSpc="1">
+            <a:prstTxWarp prst="textNoShape">
+              <a:avLst/>
+            </a:prstTxWarp>
+            <a:noAutofit/>
+          </a:bodyPr>
+          <a:lstStyle/>
+          <a:p>
+            <a:pPr algn="ctr"/>
+            <a:r>
+              <a:rPr lang="ko-KR" altLang="en-US" sz="600" dirty="0">
+                <a:solidFill>
+                  <a:sysClr val="windowText" lastClr="000000"/>
+                </a:solidFill>
+              </a:rPr>
+              <a:t>종료</a:t>
+            </a:r>
+          </a:p>
+        </p:txBody>
+      </p:sp>
+      <p:cxnSp>
+        <p:nvCxnSpPr>
+          <p:cNvPr id="155" name="직선 화살표 연결선 154">
+            <a:extLst>
+              <a:ext uri="{FF2B5EF4-FFF2-40B4-BE49-F238E27FC236}">
+                <a16:creationId xmlns:a16="http://schemas.microsoft.com/office/drawing/2014/main" id="{42786DFF-D6DC-4555-93D8-5DB3C91D9699}"/>
+              </a:ext>
+            </a:extLst>
+          </p:cNvPr>
+          <p:cNvCxnSpPr>
+            <a:cxnSpLocks/>
+            <a:endCxn id="153" idx="1"/>
+          </p:cNvCxnSpPr>
+          <p:nvPr/>
+        </p:nvCxnSpPr>
+        <p:spPr>
+          <a:xfrm>
+            <a:off x="101601" y="5431496"/>
+            <a:ext cx="400087" cy="0"/>
           </a:xfrm>
           <a:prstGeom prst="straightConnector1">
             <a:avLst/>
@@ -5847,10 +8826,573 @@
           </a:fontRef>
         </p:style>
       </p:cxnSp>
+      <p:cxnSp>
+        <p:nvCxnSpPr>
+          <p:cNvPr id="158" name="직선 화살표 연결선 157">
+            <a:extLst>
+              <a:ext uri="{FF2B5EF4-FFF2-40B4-BE49-F238E27FC236}">
+                <a16:creationId xmlns:a16="http://schemas.microsoft.com/office/drawing/2014/main" id="{2FB5CECE-79BF-48E8-BB78-EEECC3FEC945}"/>
+              </a:ext>
+            </a:extLst>
+          </p:cNvPr>
+          <p:cNvCxnSpPr>
+            <a:cxnSpLocks/>
+            <a:endCxn id="111" idx="0"/>
+          </p:cNvCxnSpPr>
+          <p:nvPr/>
+        </p:nvCxnSpPr>
+        <p:spPr>
+          <a:xfrm>
+            <a:off x="1094732" y="3865287"/>
+            <a:ext cx="26989" cy="230830"/>
+          </a:xfrm>
+          <a:prstGeom prst="straightConnector1">
+            <a:avLst/>
+          </a:prstGeom>
+          <a:ln>
+            <a:tailEnd type="triangle"/>
+          </a:ln>
+        </p:spPr>
+        <p:style>
+          <a:lnRef idx="1">
+            <a:schemeClr val="accent1"/>
+          </a:lnRef>
+          <a:fillRef idx="0">
+            <a:schemeClr val="accent1"/>
+          </a:fillRef>
+          <a:effectRef idx="0">
+            <a:schemeClr val="accent1"/>
+          </a:effectRef>
+          <a:fontRef idx="minor">
+            <a:schemeClr val="tx1"/>
+          </a:fontRef>
+        </p:style>
+      </p:cxnSp>
+      <p:cxnSp>
+        <p:nvCxnSpPr>
+          <p:cNvPr id="160" name="직선 화살표 연결선 159">
+            <a:extLst>
+              <a:ext uri="{FF2B5EF4-FFF2-40B4-BE49-F238E27FC236}">
+                <a16:creationId xmlns:a16="http://schemas.microsoft.com/office/drawing/2014/main" id="{81230A35-6A30-4F83-9AAD-59A7C26BFD91}"/>
+              </a:ext>
+            </a:extLst>
+          </p:cNvPr>
+          <p:cNvCxnSpPr>
+            <a:cxnSpLocks/>
+            <a:endCxn id="146" idx="0"/>
+          </p:cNvCxnSpPr>
+          <p:nvPr/>
+        </p:nvCxnSpPr>
+        <p:spPr>
+          <a:xfrm>
+            <a:off x="1115457" y="4293324"/>
+            <a:ext cx="9002" cy="219486"/>
+          </a:xfrm>
+          <a:prstGeom prst="straightConnector1">
+            <a:avLst/>
+          </a:prstGeom>
+          <a:ln>
+            <a:tailEnd type="triangle"/>
+          </a:ln>
+        </p:spPr>
+        <p:style>
+          <a:lnRef idx="1">
+            <a:schemeClr val="accent1"/>
+          </a:lnRef>
+          <a:fillRef idx="0">
+            <a:schemeClr val="accent1"/>
+          </a:fillRef>
+          <a:effectRef idx="0">
+            <a:schemeClr val="accent1"/>
+          </a:effectRef>
+          <a:fontRef idx="minor">
+            <a:schemeClr val="tx1"/>
+          </a:fontRef>
+        </p:style>
+      </p:cxnSp>
+      <p:cxnSp>
+        <p:nvCxnSpPr>
+          <p:cNvPr id="166" name="직선 연결선 165">
+            <a:extLst>
+              <a:ext uri="{FF2B5EF4-FFF2-40B4-BE49-F238E27FC236}">
+                <a16:creationId xmlns:a16="http://schemas.microsoft.com/office/drawing/2014/main" id="{E5378210-0AFA-4FE0-8871-645E9C9B14FB}"/>
+              </a:ext>
+            </a:extLst>
+          </p:cNvPr>
+          <p:cNvCxnSpPr>
+            <a:stCxn id="146" idx="3"/>
+          </p:cNvCxnSpPr>
+          <p:nvPr/>
+        </p:nvCxnSpPr>
+        <p:spPr>
+          <a:xfrm flipV="1">
+            <a:off x="1750251" y="4586641"/>
+            <a:ext cx="764663" cy="14752"/>
+          </a:xfrm>
+          <a:prstGeom prst="line">
+            <a:avLst/>
+          </a:prstGeom>
+        </p:spPr>
+        <p:style>
+          <a:lnRef idx="1">
+            <a:schemeClr val="accent1"/>
+          </a:lnRef>
+          <a:fillRef idx="0">
+            <a:schemeClr val="accent1"/>
+          </a:fillRef>
+          <a:effectRef idx="0">
+            <a:schemeClr val="accent1"/>
+          </a:effectRef>
+          <a:fontRef idx="minor">
+            <a:schemeClr val="tx1"/>
+          </a:fontRef>
+        </p:style>
+      </p:cxnSp>
+      <p:cxnSp>
+        <p:nvCxnSpPr>
+          <p:cNvPr id="168" name="직선 연결선 167">
+            <a:extLst>
+              <a:ext uri="{FF2B5EF4-FFF2-40B4-BE49-F238E27FC236}">
+                <a16:creationId xmlns:a16="http://schemas.microsoft.com/office/drawing/2014/main" id="{ED7DEE2B-F73B-4390-8721-69B4AA448CB6}"/>
+              </a:ext>
+            </a:extLst>
+          </p:cNvPr>
+          <p:cNvCxnSpPr/>
+          <p:nvPr/>
+        </p:nvCxnSpPr>
+        <p:spPr>
+          <a:xfrm flipV="1">
+            <a:off x="2514914" y="2744588"/>
+            <a:ext cx="0" cy="1849429"/>
+          </a:xfrm>
+          <a:prstGeom prst="line">
+            <a:avLst/>
+          </a:prstGeom>
+        </p:spPr>
+        <p:style>
+          <a:lnRef idx="1">
+            <a:schemeClr val="accent1"/>
+          </a:lnRef>
+          <a:fillRef idx="0">
+            <a:schemeClr val="accent1"/>
+          </a:fillRef>
+          <a:effectRef idx="0">
+            <a:schemeClr val="accent1"/>
+          </a:effectRef>
+          <a:fontRef idx="minor">
+            <a:schemeClr val="tx1"/>
+          </a:fontRef>
+        </p:style>
+      </p:cxnSp>
+      <p:cxnSp>
+        <p:nvCxnSpPr>
+          <p:cNvPr id="170" name="직선 화살표 연결선 169">
+            <a:extLst>
+              <a:ext uri="{FF2B5EF4-FFF2-40B4-BE49-F238E27FC236}">
+                <a16:creationId xmlns:a16="http://schemas.microsoft.com/office/drawing/2014/main" id="{FDFCEE68-C08F-4989-8BF2-BCE69684873D}"/>
+              </a:ext>
+            </a:extLst>
+          </p:cNvPr>
+          <p:cNvCxnSpPr>
+            <a:endCxn id="47" idx="3"/>
+          </p:cNvCxnSpPr>
+          <p:nvPr/>
+        </p:nvCxnSpPr>
+        <p:spPr>
+          <a:xfrm flipH="1">
+            <a:off x="1720525" y="2744588"/>
+            <a:ext cx="794389" cy="27719"/>
+          </a:xfrm>
+          <a:prstGeom prst="straightConnector1">
+            <a:avLst/>
+          </a:prstGeom>
+          <a:ln>
+            <a:tailEnd type="triangle"/>
+          </a:ln>
+        </p:spPr>
+        <p:style>
+          <a:lnRef idx="1">
+            <a:schemeClr val="accent1"/>
+          </a:lnRef>
+          <a:fillRef idx="0">
+            <a:schemeClr val="accent1"/>
+          </a:fillRef>
+          <a:effectRef idx="0">
+            <a:schemeClr val="accent1"/>
+          </a:effectRef>
+          <a:fontRef idx="minor">
+            <a:schemeClr val="tx1"/>
+          </a:fontRef>
+        </p:style>
+      </p:cxnSp>
+      <p:sp>
+        <p:nvSpPr>
+          <p:cNvPr id="171" name="TextBox 170">
+            <a:extLst>
+              <a:ext uri="{FF2B5EF4-FFF2-40B4-BE49-F238E27FC236}">
+                <a16:creationId xmlns:a16="http://schemas.microsoft.com/office/drawing/2014/main" id="{0A2A5052-699B-4A9A-B0E4-4681359FE518}"/>
+              </a:ext>
+            </a:extLst>
+          </p:cNvPr>
+          <p:cNvSpPr txBox="1"/>
+          <p:nvPr/>
+        </p:nvSpPr>
+        <p:spPr>
+          <a:xfrm>
+            <a:off x="183175" y="2580226"/>
+            <a:ext cx="372218" cy="230832"/>
+          </a:xfrm>
+          <a:prstGeom prst="rect">
+            <a:avLst/>
+          </a:prstGeom>
+          <a:noFill/>
+        </p:spPr>
+        <p:txBody>
+          <a:bodyPr wrap="none" rtlCol="0">
+            <a:spAutoFit/>
+          </a:bodyPr>
+          <a:lstStyle/>
+          <a:p>
+            <a:r>
+              <a:rPr lang="en-US" altLang="ko-KR" sz="900" dirty="0"/>
+              <a:t>quit</a:t>
+            </a:r>
+            <a:endParaRPr lang="ko-KR" altLang="en-US" sz="900" dirty="0"/>
+          </a:p>
+        </p:txBody>
+      </p:sp>
+      <p:sp>
+        <p:nvSpPr>
+          <p:cNvPr id="172" name="TextBox 171">
+            <a:extLst>
+              <a:ext uri="{FF2B5EF4-FFF2-40B4-BE49-F238E27FC236}">
+                <a16:creationId xmlns:a16="http://schemas.microsoft.com/office/drawing/2014/main" id="{3E2EC21A-FF8A-491B-82A0-524042A200BC}"/>
+              </a:ext>
+            </a:extLst>
+          </p:cNvPr>
+          <p:cNvSpPr txBox="1"/>
+          <p:nvPr/>
+        </p:nvSpPr>
+        <p:spPr>
+          <a:xfrm>
+            <a:off x="1056773" y="2914434"/>
+            <a:ext cx="559769" cy="230832"/>
+          </a:xfrm>
+          <a:prstGeom prst="rect">
+            <a:avLst/>
+          </a:prstGeom>
+          <a:noFill/>
+        </p:spPr>
+        <p:txBody>
+          <a:bodyPr wrap="none" rtlCol="0">
+            <a:spAutoFit/>
+          </a:bodyPr>
+          <a:lstStyle/>
+          <a:p>
+            <a:r>
+              <a:rPr lang="en-US" altLang="ko-KR" sz="900" dirty="0"/>
+              <a:t>connect</a:t>
+            </a:r>
+            <a:endParaRPr lang="ko-KR" altLang="en-US" sz="900" dirty="0"/>
+          </a:p>
+        </p:txBody>
+      </p:sp>
+      <p:sp>
+        <p:nvSpPr>
+          <p:cNvPr id="173" name="TextBox 172">
+            <a:extLst>
+              <a:ext uri="{FF2B5EF4-FFF2-40B4-BE49-F238E27FC236}">
+                <a16:creationId xmlns:a16="http://schemas.microsoft.com/office/drawing/2014/main" id="{209BF3E9-1DE7-4C16-8002-22BEA7C7AFAD}"/>
+              </a:ext>
+            </a:extLst>
+          </p:cNvPr>
+          <p:cNvSpPr txBox="1"/>
+          <p:nvPr/>
+        </p:nvSpPr>
+        <p:spPr>
+          <a:xfrm>
+            <a:off x="4556943" y="3743768"/>
+            <a:ext cx="566181" cy="230832"/>
+          </a:xfrm>
+          <a:prstGeom prst="rect">
+            <a:avLst/>
+          </a:prstGeom>
+          <a:noFill/>
+        </p:spPr>
+        <p:txBody>
+          <a:bodyPr wrap="none" rtlCol="0">
+            <a:spAutoFit/>
+          </a:bodyPr>
+          <a:lstStyle/>
+          <a:p>
+            <a:r>
+              <a:rPr lang="en-US" altLang="ko-KR" sz="900" dirty="0"/>
+              <a:t>Dir exist</a:t>
+            </a:r>
+            <a:endParaRPr lang="ko-KR" altLang="en-US" sz="900" dirty="0"/>
+          </a:p>
+        </p:txBody>
+      </p:sp>
+      <p:sp>
+        <p:nvSpPr>
+          <p:cNvPr id="174" name="TextBox 173">
+            <a:extLst>
+              <a:ext uri="{FF2B5EF4-FFF2-40B4-BE49-F238E27FC236}">
+                <a16:creationId xmlns:a16="http://schemas.microsoft.com/office/drawing/2014/main" id="{00FD76BF-B948-4FDD-AC20-D7562E5FF23F}"/>
+              </a:ext>
+            </a:extLst>
+          </p:cNvPr>
+          <p:cNvSpPr txBox="1"/>
+          <p:nvPr/>
+        </p:nvSpPr>
+        <p:spPr>
+          <a:xfrm>
+            <a:off x="5064703" y="3390886"/>
+            <a:ext cx="473206" cy="230832"/>
+          </a:xfrm>
+          <a:prstGeom prst="rect">
+            <a:avLst/>
+          </a:prstGeom>
+          <a:noFill/>
+        </p:spPr>
+        <p:txBody>
+          <a:bodyPr wrap="none" rtlCol="0">
+            <a:spAutoFit/>
+          </a:bodyPr>
+          <a:lstStyle/>
+          <a:p>
+            <a:r>
+              <a:rPr lang="en-US" altLang="ko-KR" sz="900" dirty="0"/>
+              <a:t>No </a:t>
+            </a:r>
+            <a:r>
+              <a:rPr lang="en-US" altLang="ko-KR" sz="900" dirty="0" err="1"/>
+              <a:t>dir</a:t>
+            </a:r>
+            <a:endParaRPr lang="ko-KR" altLang="en-US" sz="900" dirty="0"/>
+          </a:p>
+        </p:txBody>
+      </p:sp>
+      <p:sp>
+        <p:nvSpPr>
+          <p:cNvPr id="175" name="TextBox 174">
+            <a:extLst>
+              <a:ext uri="{FF2B5EF4-FFF2-40B4-BE49-F238E27FC236}">
+                <a16:creationId xmlns:a16="http://schemas.microsoft.com/office/drawing/2014/main" id="{509F4DD6-7618-446C-811B-5870001190EA}"/>
+              </a:ext>
+            </a:extLst>
+          </p:cNvPr>
+          <p:cNvSpPr txBox="1"/>
+          <p:nvPr/>
+        </p:nvSpPr>
+        <p:spPr>
+          <a:xfrm>
+            <a:off x="3380177" y="3964509"/>
+            <a:ext cx="635110" cy="230832"/>
+          </a:xfrm>
+          <a:prstGeom prst="rect">
+            <a:avLst/>
+          </a:prstGeom>
+          <a:noFill/>
+        </p:spPr>
+        <p:txBody>
+          <a:bodyPr wrap="none" rtlCol="0">
+            <a:spAutoFit/>
+          </a:bodyPr>
+          <a:lstStyle/>
+          <a:p>
+            <a:r>
+              <a:rPr lang="en-US" altLang="ko-KR" sz="900" dirty="0"/>
+              <a:t>No logfile</a:t>
+            </a:r>
+            <a:endParaRPr lang="ko-KR" altLang="en-US" sz="900" dirty="0"/>
+          </a:p>
+        </p:txBody>
+      </p:sp>
+      <p:sp>
+        <p:nvSpPr>
+          <p:cNvPr id="176" name="TextBox 175">
+            <a:extLst>
+              <a:ext uri="{FF2B5EF4-FFF2-40B4-BE49-F238E27FC236}">
+                <a16:creationId xmlns:a16="http://schemas.microsoft.com/office/drawing/2014/main" id="{8C12E583-6E2C-4139-A982-1E65960D9181}"/>
+              </a:ext>
+            </a:extLst>
+          </p:cNvPr>
+          <p:cNvSpPr txBox="1"/>
+          <p:nvPr/>
+        </p:nvSpPr>
+        <p:spPr>
+          <a:xfrm>
+            <a:off x="4556943" y="4287260"/>
+            <a:ext cx="739305" cy="230832"/>
+          </a:xfrm>
+          <a:prstGeom prst="rect">
+            <a:avLst/>
+          </a:prstGeom>
+          <a:noFill/>
+        </p:spPr>
+        <p:txBody>
+          <a:bodyPr wrap="none" rtlCol="0">
+            <a:spAutoFit/>
+          </a:bodyPr>
+          <a:lstStyle/>
+          <a:p>
+            <a:r>
+              <a:rPr lang="en-US" altLang="ko-KR" sz="900" dirty="0"/>
+              <a:t>Logfile exist</a:t>
+            </a:r>
+            <a:endParaRPr lang="ko-KR" altLang="en-US" sz="900" dirty="0"/>
+          </a:p>
+        </p:txBody>
+      </p:sp>
+      <p:sp>
+        <p:nvSpPr>
+          <p:cNvPr id="177" name="TextBox 176">
+            <a:extLst>
+              <a:ext uri="{FF2B5EF4-FFF2-40B4-BE49-F238E27FC236}">
+                <a16:creationId xmlns:a16="http://schemas.microsoft.com/office/drawing/2014/main" id="{4F6623E4-65DE-494D-87F4-91ED35B60BDF}"/>
+              </a:ext>
+            </a:extLst>
+          </p:cNvPr>
+          <p:cNvSpPr txBox="1"/>
+          <p:nvPr/>
+        </p:nvSpPr>
+        <p:spPr>
+          <a:xfrm>
+            <a:off x="5139068" y="4496215"/>
+            <a:ext cx="356188" cy="230832"/>
+          </a:xfrm>
+          <a:prstGeom prst="rect">
+            <a:avLst/>
+          </a:prstGeom>
+          <a:noFill/>
+        </p:spPr>
+        <p:txBody>
+          <a:bodyPr wrap="none" rtlCol="0">
+            <a:spAutoFit/>
+          </a:bodyPr>
+          <a:lstStyle/>
+          <a:p>
+            <a:r>
+              <a:rPr lang="en-US" altLang="ko-KR" sz="900" dirty="0"/>
+              <a:t>bye</a:t>
+            </a:r>
+            <a:endParaRPr lang="ko-KR" altLang="en-US" sz="900" dirty="0"/>
+          </a:p>
+        </p:txBody>
+      </p:sp>
+      <p:sp>
+        <p:nvSpPr>
+          <p:cNvPr id="178" name="TextBox 177">
+            <a:extLst>
+              <a:ext uri="{FF2B5EF4-FFF2-40B4-BE49-F238E27FC236}">
+                <a16:creationId xmlns:a16="http://schemas.microsoft.com/office/drawing/2014/main" id="{A04ECBD0-25C8-4A44-A171-7F942BABA9E7}"/>
+              </a:ext>
+            </a:extLst>
+          </p:cNvPr>
+          <p:cNvSpPr txBox="1"/>
+          <p:nvPr/>
+        </p:nvSpPr>
+        <p:spPr>
+          <a:xfrm>
+            <a:off x="4526497" y="4835140"/>
+            <a:ext cx="554960" cy="230832"/>
+          </a:xfrm>
+          <a:prstGeom prst="rect">
+            <a:avLst/>
+          </a:prstGeom>
+          <a:noFill/>
+        </p:spPr>
+        <p:txBody>
+          <a:bodyPr wrap="none" rtlCol="0">
+            <a:spAutoFit/>
+          </a:bodyPr>
+          <a:lstStyle/>
+          <a:p>
+            <a:r>
+              <a:rPr lang="en-US" altLang="ko-KR" sz="900" dirty="0"/>
+              <a:t>Not bye</a:t>
+            </a:r>
+            <a:endParaRPr lang="ko-KR" altLang="en-US" sz="900" dirty="0"/>
+          </a:p>
+        </p:txBody>
+      </p:sp>
+      <p:sp>
+        <p:nvSpPr>
+          <p:cNvPr id="179" name="TextBox 178">
+            <a:extLst>
+              <a:ext uri="{FF2B5EF4-FFF2-40B4-BE49-F238E27FC236}">
+                <a16:creationId xmlns:a16="http://schemas.microsoft.com/office/drawing/2014/main" id="{47217704-7A36-4454-A817-5246626EE55E}"/>
+              </a:ext>
+            </a:extLst>
+          </p:cNvPr>
+          <p:cNvSpPr txBox="1"/>
+          <p:nvPr/>
+        </p:nvSpPr>
+        <p:spPr>
+          <a:xfrm>
+            <a:off x="4558869" y="5842299"/>
+            <a:ext cx="341760" cy="230832"/>
+          </a:xfrm>
+          <a:prstGeom prst="rect">
+            <a:avLst/>
+          </a:prstGeom>
+          <a:noFill/>
+        </p:spPr>
+        <p:txBody>
+          <a:bodyPr wrap="none" rtlCol="0">
+            <a:spAutoFit/>
+          </a:bodyPr>
+          <a:lstStyle/>
+          <a:p>
+            <a:r>
+              <a:rPr lang="en-US" altLang="ko-KR" sz="900" dirty="0"/>
+              <a:t>HIT</a:t>
+            </a:r>
+            <a:endParaRPr lang="ko-KR" altLang="en-US" sz="900" dirty="0"/>
+          </a:p>
+        </p:txBody>
+      </p:sp>
+      <p:sp>
+        <p:nvSpPr>
+          <p:cNvPr id="180" name="TextBox 179">
+            <a:extLst>
+              <a:ext uri="{FF2B5EF4-FFF2-40B4-BE49-F238E27FC236}">
+                <a16:creationId xmlns:a16="http://schemas.microsoft.com/office/drawing/2014/main" id="{D16742C9-E270-474A-A06B-2C266F2D0D47}"/>
+              </a:ext>
+            </a:extLst>
+          </p:cNvPr>
+          <p:cNvSpPr txBox="1"/>
+          <p:nvPr/>
+        </p:nvSpPr>
+        <p:spPr>
+          <a:xfrm>
+            <a:off x="5091954" y="5543818"/>
+            <a:ext cx="418704" cy="230832"/>
+          </a:xfrm>
+          <a:prstGeom prst="rect">
+            <a:avLst/>
+          </a:prstGeom>
+          <a:noFill/>
+        </p:spPr>
+        <p:txBody>
+          <a:bodyPr wrap="none" rtlCol="0">
+            <a:spAutoFit/>
+          </a:bodyPr>
+          <a:lstStyle/>
+          <a:p>
+            <a:r>
+              <a:rPr lang="en-US" altLang="ko-KR" sz="900" dirty="0"/>
+              <a:t>MISS</a:t>
+            </a:r>
+            <a:endParaRPr lang="ko-KR" altLang="en-US" sz="900" dirty="0"/>
+          </a:p>
+        </p:txBody>
+      </p:sp>
     </p:spTree>
     <p:extLst>
       <p:ext uri="{BB962C8B-B14F-4D97-AF65-F5344CB8AC3E}">
-        <p14:creationId xmlns:p14="http://schemas.microsoft.com/office/powerpoint/2010/main" val="1167695113"/>
+        <p14:creationId xmlns:p14="http://schemas.microsoft.com/office/powerpoint/2010/main" val="3867310403"/>
       </p:ext>
     </p:extLst>
   </p:cSld>
